--- a/jspWorks/자료/jsp_ppt/10-1장. Jsp - MVC를 이용한 회원관리.pptx
+++ b/jspWorks/자료/jsp_ppt/10-1장. Jsp - MVC를 이용한 회원관리.pptx
@@ -5,7 +5,7 @@
     <p:sldMasterId id="2147483648" r:id="rId1"/>
   </p:sldMasterIdLst>
   <p:notesMasterIdLst>
-    <p:notesMasterId r:id="rId43"/>
+    <p:notesMasterId r:id="rId56"/>
   </p:notesMasterIdLst>
   <p:sldIdLst>
     <p:sldId id="256" r:id="rId2"/>
@@ -49,6 +49,19 @@
     <p:sldId id="408" r:id="rId40"/>
     <p:sldId id="409" r:id="rId41"/>
     <p:sldId id="410" r:id="rId42"/>
+    <p:sldId id="411" r:id="rId43"/>
+    <p:sldId id="412" r:id="rId44"/>
+    <p:sldId id="413" r:id="rId45"/>
+    <p:sldId id="414" r:id="rId46"/>
+    <p:sldId id="415" r:id="rId47"/>
+    <p:sldId id="416" r:id="rId48"/>
+    <p:sldId id="417" r:id="rId49"/>
+    <p:sldId id="418" r:id="rId50"/>
+    <p:sldId id="419" r:id="rId51"/>
+    <p:sldId id="420" r:id="rId52"/>
+    <p:sldId id="421" r:id="rId53"/>
+    <p:sldId id="422" r:id="rId54"/>
+    <p:sldId id="423" r:id="rId55"/>
   </p:sldIdLst>
   <p:sldSz cx="9906000" cy="6858000" type="A4"/>
   <p:notesSz cx="6858000" cy="9144000"/>
@@ -11933,11 +11946,7 @@
             </a:r>
             <a:r>
               <a:rPr lang="en-US" altLang="ko-KR" dirty="0" smtClean="0"/>
-              <a:t>validation</a:t>
-            </a:r>
-            <a:r>
-              <a:rPr lang="en-US" altLang="ko-KR" dirty="0" smtClean="0"/>
-              <a:t>.js</a:t>
+              <a:t>validation.js</a:t>
             </a:r>
             <a:endParaRPr lang="en-US" altLang="ko-KR" sz="1600" dirty="0" smtClean="0"/>
           </a:p>
@@ -12146,6 +12155,1645 @@
 </p:sld>
 </file>
 
+<file path=ppt/slides/slide42.xml><?xml version="1.0" encoding="utf-8"?>
+<p:sld xmlns:a="http://schemas.openxmlformats.org/drawingml/2006/main" xmlns:r="http://schemas.openxmlformats.org/officeDocument/2006/relationships" xmlns:p="http://schemas.openxmlformats.org/presentationml/2006/main">
+  <p:cSld>
+    <p:spTree>
+      <p:nvGrpSpPr>
+        <p:cNvPr id="1" name=""/>
+        <p:cNvGrpSpPr/>
+        <p:nvPr/>
+      </p:nvGrpSpPr>
+      <p:grpSpPr>
+        <a:xfrm>
+          <a:off x="0" y="0"/>
+          <a:ext cx="0" cy="0"/>
+          <a:chOff x="0" y="0"/>
+          <a:chExt cx="0" cy="0"/>
+        </a:xfrm>
+      </p:grpSpPr>
+      <p:sp>
+        <p:nvSpPr>
+          <p:cNvPr id="15" name="제목 5"/>
+          <p:cNvSpPr txBox="1">
+            <a:spLocks/>
+          </p:cNvSpPr>
+          <p:nvPr/>
+        </p:nvSpPr>
+        <p:spPr>
+          <a:xfrm>
+            <a:off x="1" y="-18256"/>
+            <a:ext cx="5079014" cy="854968"/>
+          </a:xfrm>
+          <a:prstGeom prst="rect">
+            <a:avLst/>
+          </a:prstGeom>
+        </p:spPr>
+        <p:txBody>
+          <a:bodyPr anchor="ctr" anchorCtr="0"/>
+          <a:lstStyle>
+            <a:lvl1pPr algn="l" defTabSz="914400" rtl="0" eaLnBrk="1" latinLnBrk="1" hangingPunct="1">
+              <a:spcBef>
+                <a:spcPct val="0"/>
+              </a:spcBef>
+              <a:buNone/>
+              <a:defRPr sz="3200" kern="1200">
+                <a:solidFill>
+                  <a:schemeClr val="bg1"/>
+                </a:solidFill>
+                <a:latin typeface="HY헤드라인M" panose="02030600000101010101" pitchFamily="18" charset="-127"/>
+                <a:ea typeface="HY헤드라인M" panose="02030600000101010101" pitchFamily="18" charset="-127"/>
+                <a:cs typeface="+mj-cs"/>
+              </a:defRPr>
+            </a:lvl1pPr>
+          </a:lstStyle>
+          <a:p>
+            <a:r>
+              <a:rPr lang="en-US" altLang="ko-KR" dirty="0" smtClean="0"/>
+              <a:t> </a:t>
+            </a:r>
+            <a:endParaRPr lang="ko-KR" altLang="en-US" dirty="0"/>
+          </a:p>
+        </p:txBody>
+      </p:sp>
+      <p:sp>
+        <p:nvSpPr>
+          <p:cNvPr id="11" name="제목 5"/>
+          <p:cNvSpPr txBox="1">
+            <a:spLocks/>
+          </p:cNvSpPr>
+          <p:nvPr/>
+        </p:nvSpPr>
+        <p:spPr>
+          <a:xfrm>
+            <a:off x="152400" y="44624"/>
+            <a:ext cx="5304655" cy="854968"/>
+          </a:xfrm>
+          <a:prstGeom prst="rect">
+            <a:avLst/>
+          </a:prstGeom>
+        </p:spPr>
+        <p:txBody>
+          <a:bodyPr anchor="ctr" anchorCtr="0"/>
+          <a:lstStyle>
+            <a:lvl1pPr algn="l" defTabSz="914400" rtl="0" eaLnBrk="1" latinLnBrk="1" hangingPunct="1">
+              <a:spcBef>
+                <a:spcPct val="0"/>
+              </a:spcBef>
+              <a:buNone/>
+              <a:defRPr sz="3200" kern="1200">
+                <a:solidFill>
+                  <a:schemeClr val="bg1"/>
+                </a:solidFill>
+                <a:latin typeface="HY헤드라인M" panose="02030600000101010101" pitchFamily="18" charset="-127"/>
+                <a:ea typeface="HY헤드라인M" panose="02030600000101010101" pitchFamily="18" charset="-127"/>
+                <a:cs typeface="+mj-cs"/>
+              </a:defRPr>
+            </a:lvl1pPr>
+          </a:lstStyle>
+          <a:p>
+            <a:r>
+              <a:rPr lang="en-US" altLang="ko-KR" dirty="0" smtClean="0"/>
+              <a:t> </a:t>
+            </a:r>
+            <a:r>
+              <a:rPr lang="ko-KR" altLang="en-US" b="1" dirty="0" smtClean="0">
+                <a:latin typeface="휴먼엑스포" panose="02030504000101010101" pitchFamily="18" charset="-127"/>
+                <a:ea typeface="휴먼엑스포" panose="02030504000101010101" pitchFamily="18" charset="-127"/>
+              </a:rPr>
+              <a:t>관리자 페이지 </a:t>
+            </a:r>
+            <a:r>
+              <a:rPr lang="en-US" altLang="ko-KR" b="1" dirty="0" smtClean="0">
+                <a:latin typeface="휴먼엑스포" panose="02030504000101010101" pitchFamily="18" charset="-127"/>
+                <a:ea typeface="휴먼엑스포" panose="02030504000101010101" pitchFamily="18" charset="-127"/>
+              </a:rPr>
+              <a:t>– </a:t>
+            </a:r>
+            <a:r>
+              <a:rPr lang="ko-KR" altLang="en-US" b="1" dirty="0" smtClean="0">
+                <a:latin typeface="휴먼엑스포" panose="02030504000101010101" pitchFamily="18" charset="-127"/>
+                <a:ea typeface="휴먼엑스포" panose="02030504000101010101" pitchFamily="18" charset="-127"/>
+              </a:rPr>
+              <a:t>회원 목록</a:t>
+            </a:r>
+            <a:endParaRPr lang="ko-KR" altLang="en-US" dirty="0"/>
+          </a:p>
+        </p:txBody>
+      </p:sp>
+      <p:pic>
+        <p:nvPicPr>
+          <p:cNvPr id="3" name="그림 2"/>
+          <p:cNvPicPr>
+            <a:picLocks noChangeAspect="1"/>
+          </p:cNvPicPr>
+          <p:nvPr/>
+        </p:nvPicPr>
+        <p:blipFill rotWithShape="1">
+          <a:blip r:embed="rId2">
+            <a:extLst>
+              <a:ext uri="{28A0092B-C50C-407E-A947-70E740481C1C}">
+                <a14:useLocalDpi xmlns:a14="http://schemas.microsoft.com/office/drawing/2010/main" val="0"/>
+              </a:ext>
+            </a:extLst>
+          </a:blip>
+          <a:srcRect l="11152" r="11900"/>
+          <a:stretch/>
+        </p:blipFill>
+        <p:spPr>
+          <a:xfrm>
+            <a:off x="560512" y="1700808"/>
+            <a:ext cx="4248473" cy="3330278"/>
+          </a:xfrm>
+          <a:prstGeom prst="rect">
+            <a:avLst/>
+          </a:prstGeom>
+          <a:ln>
+            <a:solidFill>
+              <a:schemeClr val="bg1">
+                <a:lumMod val="85000"/>
+              </a:schemeClr>
+            </a:solidFill>
+          </a:ln>
+        </p:spPr>
+      </p:pic>
+      <p:pic>
+        <p:nvPicPr>
+          <p:cNvPr id="4" name="그림 3"/>
+          <p:cNvPicPr>
+            <a:picLocks noChangeAspect="1"/>
+          </p:cNvPicPr>
+          <p:nvPr/>
+        </p:nvPicPr>
+        <p:blipFill>
+          <a:blip r:embed="rId3">
+            <a:extLst>
+              <a:ext uri="{28A0092B-C50C-407E-A947-70E740481C1C}">
+                <a14:useLocalDpi xmlns:a14="http://schemas.microsoft.com/office/drawing/2010/main" val="0"/>
+              </a:ext>
+            </a:extLst>
+          </a:blip>
+          <a:stretch>
+            <a:fillRect/>
+          </a:stretch>
+        </p:blipFill>
+        <p:spPr>
+          <a:xfrm>
+            <a:off x="5385048" y="1696443"/>
+            <a:ext cx="4104456" cy="3334643"/>
+          </a:xfrm>
+          <a:prstGeom prst="rect">
+            <a:avLst/>
+          </a:prstGeom>
+          <a:ln>
+            <a:solidFill>
+              <a:schemeClr val="bg1">
+                <a:lumMod val="85000"/>
+              </a:schemeClr>
+            </a:solidFill>
+          </a:ln>
+        </p:spPr>
+      </p:pic>
+    </p:spTree>
+    <p:extLst>
+      <p:ext uri="{BB962C8B-B14F-4D97-AF65-F5344CB8AC3E}">
+        <p14:creationId xmlns:p14="http://schemas.microsoft.com/office/powerpoint/2010/main" val="1329764516"/>
+      </p:ext>
+    </p:extLst>
+  </p:cSld>
+  <p:clrMapOvr>
+    <a:masterClrMapping/>
+  </p:clrMapOvr>
+  <p:timing>
+    <p:tnLst>
+      <p:par>
+        <p:cTn id="1" dur="indefinite" restart="never" nodeType="tmRoot"/>
+      </p:par>
+    </p:tnLst>
+  </p:timing>
+</p:sld>
+</file>
+
+<file path=ppt/slides/slide43.xml><?xml version="1.0" encoding="utf-8"?>
+<p:sld xmlns:a="http://schemas.openxmlformats.org/drawingml/2006/main" xmlns:r="http://schemas.openxmlformats.org/officeDocument/2006/relationships" xmlns:p="http://schemas.openxmlformats.org/presentationml/2006/main">
+  <p:cSld>
+    <p:spTree>
+      <p:nvGrpSpPr>
+        <p:cNvPr id="1" name=""/>
+        <p:cNvGrpSpPr/>
+        <p:nvPr/>
+      </p:nvGrpSpPr>
+      <p:grpSpPr>
+        <a:xfrm>
+          <a:off x="0" y="0"/>
+          <a:ext cx="0" cy="0"/>
+          <a:chOff x="0" y="0"/>
+          <a:chExt cx="0" cy="0"/>
+        </a:xfrm>
+      </p:grpSpPr>
+      <p:sp>
+        <p:nvSpPr>
+          <p:cNvPr id="15" name="제목 5"/>
+          <p:cNvSpPr txBox="1">
+            <a:spLocks/>
+          </p:cNvSpPr>
+          <p:nvPr/>
+        </p:nvSpPr>
+        <p:spPr>
+          <a:xfrm>
+            <a:off x="1" y="-18256"/>
+            <a:ext cx="5079014" cy="854968"/>
+          </a:xfrm>
+          <a:prstGeom prst="rect">
+            <a:avLst/>
+          </a:prstGeom>
+        </p:spPr>
+        <p:txBody>
+          <a:bodyPr anchor="ctr" anchorCtr="0"/>
+          <a:lstStyle>
+            <a:lvl1pPr algn="l" defTabSz="914400" rtl="0" eaLnBrk="1" latinLnBrk="1" hangingPunct="1">
+              <a:spcBef>
+                <a:spcPct val="0"/>
+              </a:spcBef>
+              <a:buNone/>
+              <a:defRPr sz="3200" kern="1200">
+                <a:solidFill>
+                  <a:schemeClr val="bg1"/>
+                </a:solidFill>
+                <a:latin typeface="HY헤드라인M" panose="02030600000101010101" pitchFamily="18" charset="-127"/>
+                <a:ea typeface="HY헤드라인M" panose="02030600000101010101" pitchFamily="18" charset="-127"/>
+                <a:cs typeface="+mj-cs"/>
+              </a:defRPr>
+            </a:lvl1pPr>
+          </a:lstStyle>
+          <a:p>
+            <a:r>
+              <a:rPr lang="en-US" altLang="ko-KR" dirty="0" smtClean="0"/>
+              <a:t> </a:t>
+            </a:r>
+            <a:endParaRPr lang="ko-KR" altLang="en-US" dirty="0"/>
+          </a:p>
+        </p:txBody>
+      </p:sp>
+      <p:sp>
+        <p:nvSpPr>
+          <p:cNvPr id="11" name="제목 5"/>
+          <p:cNvSpPr txBox="1">
+            <a:spLocks/>
+          </p:cNvSpPr>
+          <p:nvPr/>
+        </p:nvSpPr>
+        <p:spPr>
+          <a:xfrm>
+            <a:off x="152400" y="44624"/>
+            <a:ext cx="5304655" cy="854968"/>
+          </a:xfrm>
+          <a:prstGeom prst="rect">
+            <a:avLst/>
+          </a:prstGeom>
+        </p:spPr>
+        <p:txBody>
+          <a:bodyPr anchor="ctr" anchorCtr="0"/>
+          <a:lstStyle>
+            <a:lvl1pPr algn="l" defTabSz="914400" rtl="0" eaLnBrk="1" latinLnBrk="1" hangingPunct="1">
+              <a:spcBef>
+                <a:spcPct val="0"/>
+              </a:spcBef>
+              <a:buNone/>
+              <a:defRPr sz="3200" kern="1200">
+                <a:solidFill>
+                  <a:schemeClr val="bg1"/>
+                </a:solidFill>
+                <a:latin typeface="HY헤드라인M" panose="02030600000101010101" pitchFamily="18" charset="-127"/>
+                <a:ea typeface="HY헤드라인M" panose="02030600000101010101" pitchFamily="18" charset="-127"/>
+                <a:cs typeface="+mj-cs"/>
+              </a:defRPr>
+            </a:lvl1pPr>
+          </a:lstStyle>
+          <a:p>
+            <a:r>
+              <a:rPr lang="en-US" altLang="ko-KR" dirty="0" smtClean="0"/>
+              <a:t> </a:t>
+            </a:r>
+            <a:r>
+              <a:rPr lang="ko-KR" altLang="en-US" b="1" dirty="0" smtClean="0">
+                <a:latin typeface="휴먼엑스포" panose="02030504000101010101" pitchFamily="18" charset="-127"/>
+                <a:ea typeface="휴먼엑스포" panose="02030504000101010101" pitchFamily="18" charset="-127"/>
+              </a:rPr>
+              <a:t>관리자 페이지 </a:t>
+            </a:r>
+            <a:r>
+              <a:rPr lang="en-US" altLang="ko-KR" b="1" dirty="0" smtClean="0">
+                <a:latin typeface="휴먼엑스포" panose="02030504000101010101" pitchFamily="18" charset="-127"/>
+                <a:ea typeface="휴먼엑스포" panose="02030504000101010101" pitchFamily="18" charset="-127"/>
+              </a:rPr>
+              <a:t>– </a:t>
+            </a:r>
+            <a:r>
+              <a:rPr lang="ko-KR" altLang="en-US" b="1" dirty="0" smtClean="0">
+                <a:latin typeface="휴먼엑스포" panose="02030504000101010101" pitchFamily="18" charset="-127"/>
+                <a:ea typeface="휴먼엑스포" panose="02030504000101010101" pitchFamily="18" charset="-127"/>
+              </a:rPr>
+              <a:t>회원 목록</a:t>
+            </a:r>
+            <a:endParaRPr lang="ko-KR" altLang="en-US" dirty="0"/>
+          </a:p>
+        </p:txBody>
+      </p:sp>
+      <p:pic>
+        <p:nvPicPr>
+          <p:cNvPr id="2" name="그림 1"/>
+          <p:cNvPicPr>
+            <a:picLocks noChangeAspect="1"/>
+          </p:cNvPicPr>
+          <p:nvPr/>
+        </p:nvPicPr>
+        <p:blipFill>
+          <a:blip r:embed="rId2">
+            <a:extLst>
+              <a:ext uri="{28A0092B-C50C-407E-A947-70E740481C1C}">
+                <a14:useLocalDpi xmlns:a14="http://schemas.microsoft.com/office/drawing/2010/main" val="0"/>
+              </a:ext>
+            </a:extLst>
+          </a:blip>
+          <a:stretch>
+            <a:fillRect/>
+          </a:stretch>
+        </p:blipFill>
+        <p:spPr>
+          <a:xfrm>
+            <a:off x="2144688" y="1052736"/>
+            <a:ext cx="5400600" cy="5040560"/>
+          </a:xfrm>
+          <a:prstGeom prst="rect">
+            <a:avLst/>
+          </a:prstGeom>
+          <a:ln>
+            <a:solidFill>
+              <a:schemeClr val="bg1">
+                <a:lumMod val="85000"/>
+              </a:schemeClr>
+            </a:solidFill>
+          </a:ln>
+        </p:spPr>
+      </p:pic>
+    </p:spTree>
+    <p:extLst>
+      <p:ext uri="{BB962C8B-B14F-4D97-AF65-F5344CB8AC3E}">
+        <p14:creationId xmlns:p14="http://schemas.microsoft.com/office/powerpoint/2010/main" val="3748043890"/>
+      </p:ext>
+    </p:extLst>
+  </p:cSld>
+  <p:clrMapOvr>
+    <a:masterClrMapping/>
+  </p:clrMapOvr>
+  <p:timing>
+    <p:tnLst>
+      <p:par>
+        <p:cTn id="1" dur="indefinite" restart="never" nodeType="tmRoot"/>
+      </p:par>
+    </p:tnLst>
+  </p:timing>
+</p:sld>
+</file>
+
+<file path=ppt/slides/slide44.xml><?xml version="1.0" encoding="utf-8"?>
+<p:sld xmlns:a="http://schemas.openxmlformats.org/drawingml/2006/main" xmlns:r="http://schemas.openxmlformats.org/officeDocument/2006/relationships" xmlns:p="http://schemas.openxmlformats.org/presentationml/2006/main">
+  <p:cSld>
+    <p:spTree>
+      <p:nvGrpSpPr>
+        <p:cNvPr id="1" name=""/>
+        <p:cNvGrpSpPr/>
+        <p:nvPr/>
+      </p:nvGrpSpPr>
+      <p:grpSpPr>
+        <a:xfrm>
+          <a:off x="0" y="0"/>
+          <a:ext cx="0" cy="0"/>
+          <a:chOff x="0" y="0"/>
+          <a:chExt cx="0" cy="0"/>
+        </a:xfrm>
+      </p:grpSpPr>
+      <p:sp>
+        <p:nvSpPr>
+          <p:cNvPr id="15" name="제목 5"/>
+          <p:cNvSpPr txBox="1">
+            <a:spLocks/>
+          </p:cNvSpPr>
+          <p:nvPr/>
+        </p:nvSpPr>
+        <p:spPr>
+          <a:xfrm>
+            <a:off x="1" y="-18256"/>
+            <a:ext cx="5079014" cy="854968"/>
+          </a:xfrm>
+          <a:prstGeom prst="rect">
+            <a:avLst/>
+          </a:prstGeom>
+        </p:spPr>
+        <p:txBody>
+          <a:bodyPr anchor="ctr" anchorCtr="0"/>
+          <a:lstStyle>
+            <a:lvl1pPr algn="l" defTabSz="914400" rtl="0" eaLnBrk="1" latinLnBrk="1" hangingPunct="1">
+              <a:spcBef>
+                <a:spcPct val="0"/>
+              </a:spcBef>
+              <a:buNone/>
+              <a:defRPr sz="3200" kern="1200">
+                <a:solidFill>
+                  <a:schemeClr val="bg1"/>
+                </a:solidFill>
+                <a:latin typeface="HY헤드라인M" panose="02030600000101010101" pitchFamily="18" charset="-127"/>
+                <a:ea typeface="HY헤드라인M" panose="02030600000101010101" pitchFamily="18" charset="-127"/>
+                <a:cs typeface="+mj-cs"/>
+              </a:defRPr>
+            </a:lvl1pPr>
+          </a:lstStyle>
+          <a:p>
+            <a:r>
+              <a:rPr lang="en-US" altLang="ko-KR" dirty="0" smtClean="0"/>
+              <a:t> </a:t>
+            </a:r>
+            <a:endParaRPr lang="ko-KR" altLang="en-US" dirty="0"/>
+          </a:p>
+        </p:txBody>
+      </p:sp>
+      <p:sp>
+        <p:nvSpPr>
+          <p:cNvPr id="11" name="제목 5"/>
+          <p:cNvSpPr txBox="1">
+            <a:spLocks/>
+          </p:cNvSpPr>
+          <p:nvPr/>
+        </p:nvSpPr>
+        <p:spPr>
+          <a:xfrm>
+            <a:off x="152400" y="44624"/>
+            <a:ext cx="5304655" cy="854968"/>
+          </a:xfrm>
+          <a:prstGeom prst="rect">
+            <a:avLst/>
+          </a:prstGeom>
+        </p:spPr>
+        <p:txBody>
+          <a:bodyPr anchor="ctr" anchorCtr="0"/>
+          <a:lstStyle>
+            <a:lvl1pPr algn="l" defTabSz="914400" rtl="0" eaLnBrk="1" latinLnBrk="1" hangingPunct="1">
+              <a:spcBef>
+                <a:spcPct val="0"/>
+              </a:spcBef>
+              <a:buNone/>
+              <a:defRPr sz="3200" kern="1200">
+                <a:solidFill>
+                  <a:schemeClr val="bg1"/>
+                </a:solidFill>
+                <a:latin typeface="HY헤드라인M" panose="02030600000101010101" pitchFamily="18" charset="-127"/>
+                <a:ea typeface="HY헤드라인M" panose="02030600000101010101" pitchFamily="18" charset="-127"/>
+                <a:cs typeface="+mj-cs"/>
+              </a:defRPr>
+            </a:lvl1pPr>
+          </a:lstStyle>
+          <a:p>
+            <a:r>
+              <a:rPr lang="en-US" altLang="ko-KR" dirty="0" smtClean="0"/>
+              <a:t> </a:t>
+            </a:r>
+            <a:r>
+              <a:rPr lang="ko-KR" altLang="en-US" b="1" dirty="0" smtClean="0">
+                <a:latin typeface="휴먼엑스포" panose="02030504000101010101" pitchFamily="18" charset="-127"/>
+                <a:ea typeface="휴먼엑스포" panose="02030504000101010101" pitchFamily="18" charset="-127"/>
+              </a:rPr>
+              <a:t>관리자 페이지 </a:t>
+            </a:r>
+            <a:r>
+              <a:rPr lang="en-US" altLang="ko-KR" b="1" dirty="0" smtClean="0">
+                <a:latin typeface="휴먼엑스포" panose="02030504000101010101" pitchFamily="18" charset="-127"/>
+                <a:ea typeface="휴먼엑스포" panose="02030504000101010101" pitchFamily="18" charset="-127"/>
+              </a:rPr>
+              <a:t>– </a:t>
+            </a:r>
+            <a:r>
+              <a:rPr lang="ko-KR" altLang="en-US" b="1" dirty="0" smtClean="0">
+                <a:latin typeface="휴먼엑스포" panose="02030504000101010101" pitchFamily="18" charset="-127"/>
+                <a:ea typeface="휴먼엑스포" panose="02030504000101010101" pitchFamily="18" charset="-127"/>
+              </a:rPr>
+              <a:t>회원 목록</a:t>
+            </a:r>
+            <a:endParaRPr lang="ko-KR" altLang="en-US" dirty="0"/>
+          </a:p>
+        </p:txBody>
+      </p:sp>
+      <p:pic>
+        <p:nvPicPr>
+          <p:cNvPr id="3" name="그림 2"/>
+          <p:cNvPicPr>
+            <a:picLocks noChangeAspect="1"/>
+          </p:cNvPicPr>
+          <p:nvPr/>
+        </p:nvPicPr>
+        <p:blipFill>
+          <a:blip r:embed="rId2">
+            <a:extLst>
+              <a:ext uri="{28A0092B-C50C-407E-A947-70E740481C1C}">
+                <a14:useLocalDpi xmlns:a14="http://schemas.microsoft.com/office/drawing/2010/main" val="0"/>
+              </a:ext>
+            </a:extLst>
+          </a:blip>
+          <a:stretch>
+            <a:fillRect/>
+          </a:stretch>
+        </p:blipFill>
+        <p:spPr>
+          <a:xfrm>
+            <a:off x="992560" y="2132856"/>
+            <a:ext cx="7881745" cy="1800200"/>
+          </a:xfrm>
+          <a:prstGeom prst="rect">
+            <a:avLst/>
+          </a:prstGeom>
+          <a:ln>
+            <a:solidFill>
+              <a:schemeClr val="bg1">
+                <a:lumMod val="85000"/>
+              </a:schemeClr>
+            </a:solidFill>
+          </a:ln>
+        </p:spPr>
+      </p:pic>
+      <p:sp>
+        <p:nvSpPr>
+          <p:cNvPr id="6" name="TextBox 5"/>
+          <p:cNvSpPr txBox="1"/>
+          <p:nvPr/>
+        </p:nvSpPr>
+        <p:spPr>
+          <a:xfrm>
+            <a:off x="5745088" y="1484784"/>
+            <a:ext cx="3024336" cy="369332"/>
+          </a:xfrm>
+          <a:prstGeom prst="rect">
+            <a:avLst/>
+          </a:prstGeom>
+          <a:noFill/>
+        </p:spPr>
+        <p:txBody>
+          <a:bodyPr wrap="square" rtlCol="0">
+            <a:spAutoFit/>
+          </a:bodyPr>
+          <a:lstStyle/>
+          <a:p>
+            <a:r>
+              <a:rPr lang="ko-KR" altLang="en-US" dirty="0"/>
+              <a:t> </a:t>
+            </a:r>
+            <a:r>
+              <a:rPr lang="en-US" altLang="ko-KR" dirty="0" smtClean="0"/>
+              <a:t>server/tomcat-users.xml</a:t>
+            </a:r>
+            <a:endParaRPr lang="en-US" altLang="ko-KR" sz="1600" dirty="0" smtClean="0"/>
+          </a:p>
+        </p:txBody>
+      </p:sp>
+    </p:spTree>
+    <p:extLst>
+      <p:ext uri="{BB962C8B-B14F-4D97-AF65-F5344CB8AC3E}">
+        <p14:creationId xmlns:p14="http://schemas.microsoft.com/office/powerpoint/2010/main" val="2972915810"/>
+      </p:ext>
+    </p:extLst>
+  </p:cSld>
+  <p:clrMapOvr>
+    <a:masterClrMapping/>
+  </p:clrMapOvr>
+  <p:timing>
+    <p:tnLst>
+      <p:par>
+        <p:cTn id="1" dur="indefinite" restart="never" nodeType="tmRoot"/>
+      </p:par>
+    </p:tnLst>
+  </p:timing>
+</p:sld>
+</file>
+
+<file path=ppt/slides/slide45.xml><?xml version="1.0" encoding="utf-8"?>
+<p:sld xmlns:a="http://schemas.openxmlformats.org/drawingml/2006/main" xmlns:r="http://schemas.openxmlformats.org/officeDocument/2006/relationships" xmlns:p="http://schemas.openxmlformats.org/presentationml/2006/main">
+  <p:cSld>
+    <p:spTree>
+      <p:nvGrpSpPr>
+        <p:cNvPr id="1" name=""/>
+        <p:cNvGrpSpPr/>
+        <p:nvPr/>
+      </p:nvGrpSpPr>
+      <p:grpSpPr>
+        <a:xfrm>
+          <a:off x="0" y="0"/>
+          <a:ext cx="0" cy="0"/>
+          <a:chOff x="0" y="0"/>
+          <a:chExt cx="0" cy="0"/>
+        </a:xfrm>
+      </p:grpSpPr>
+      <p:sp>
+        <p:nvSpPr>
+          <p:cNvPr id="15" name="제목 5"/>
+          <p:cNvSpPr txBox="1">
+            <a:spLocks/>
+          </p:cNvSpPr>
+          <p:nvPr/>
+        </p:nvSpPr>
+        <p:spPr>
+          <a:xfrm>
+            <a:off x="1" y="-18256"/>
+            <a:ext cx="5079014" cy="854968"/>
+          </a:xfrm>
+          <a:prstGeom prst="rect">
+            <a:avLst/>
+          </a:prstGeom>
+        </p:spPr>
+        <p:txBody>
+          <a:bodyPr anchor="ctr" anchorCtr="0"/>
+          <a:lstStyle>
+            <a:lvl1pPr algn="l" defTabSz="914400" rtl="0" eaLnBrk="1" latinLnBrk="1" hangingPunct="1">
+              <a:spcBef>
+                <a:spcPct val="0"/>
+              </a:spcBef>
+              <a:buNone/>
+              <a:defRPr sz="3200" kern="1200">
+                <a:solidFill>
+                  <a:schemeClr val="bg1"/>
+                </a:solidFill>
+                <a:latin typeface="HY헤드라인M" panose="02030600000101010101" pitchFamily="18" charset="-127"/>
+                <a:ea typeface="HY헤드라인M" panose="02030600000101010101" pitchFamily="18" charset="-127"/>
+                <a:cs typeface="+mj-cs"/>
+              </a:defRPr>
+            </a:lvl1pPr>
+          </a:lstStyle>
+          <a:p>
+            <a:r>
+              <a:rPr lang="en-US" altLang="ko-KR" dirty="0" smtClean="0"/>
+              <a:t> </a:t>
+            </a:r>
+            <a:endParaRPr lang="ko-KR" altLang="en-US" dirty="0"/>
+          </a:p>
+        </p:txBody>
+      </p:sp>
+      <p:sp>
+        <p:nvSpPr>
+          <p:cNvPr id="11" name="제목 5"/>
+          <p:cNvSpPr txBox="1">
+            <a:spLocks/>
+          </p:cNvSpPr>
+          <p:nvPr/>
+        </p:nvSpPr>
+        <p:spPr>
+          <a:xfrm>
+            <a:off x="152400" y="44624"/>
+            <a:ext cx="5304655" cy="854968"/>
+          </a:xfrm>
+          <a:prstGeom prst="rect">
+            <a:avLst/>
+          </a:prstGeom>
+        </p:spPr>
+        <p:txBody>
+          <a:bodyPr anchor="ctr" anchorCtr="0"/>
+          <a:lstStyle>
+            <a:lvl1pPr algn="l" defTabSz="914400" rtl="0" eaLnBrk="1" latinLnBrk="1" hangingPunct="1">
+              <a:spcBef>
+                <a:spcPct val="0"/>
+              </a:spcBef>
+              <a:buNone/>
+              <a:defRPr sz="3200" kern="1200">
+                <a:solidFill>
+                  <a:schemeClr val="bg1"/>
+                </a:solidFill>
+                <a:latin typeface="HY헤드라인M" panose="02030600000101010101" pitchFamily="18" charset="-127"/>
+                <a:ea typeface="HY헤드라인M" panose="02030600000101010101" pitchFamily="18" charset="-127"/>
+                <a:cs typeface="+mj-cs"/>
+              </a:defRPr>
+            </a:lvl1pPr>
+          </a:lstStyle>
+          <a:p>
+            <a:r>
+              <a:rPr lang="en-US" altLang="ko-KR" dirty="0" smtClean="0"/>
+              <a:t> </a:t>
+            </a:r>
+            <a:r>
+              <a:rPr lang="ko-KR" altLang="en-US" b="1" dirty="0" smtClean="0">
+                <a:latin typeface="휴먼엑스포" panose="02030504000101010101" pitchFamily="18" charset="-127"/>
+                <a:ea typeface="휴먼엑스포" panose="02030504000101010101" pitchFamily="18" charset="-127"/>
+              </a:rPr>
+              <a:t>관리자 페이지 </a:t>
+            </a:r>
+            <a:r>
+              <a:rPr lang="en-US" altLang="ko-KR" b="1" dirty="0" smtClean="0">
+                <a:latin typeface="휴먼엑스포" panose="02030504000101010101" pitchFamily="18" charset="-127"/>
+                <a:ea typeface="휴먼엑스포" panose="02030504000101010101" pitchFamily="18" charset="-127"/>
+              </a:rPr>
+              <a:t>– </a:t>
+            </a:r>
+            <a:r>
+              <a:rPr lang="ko-KR" altLang="en-US" b="1" dirty="0" smtClean="0">
+                <a:latin typeface="휴먼엑스포" panose="02030504000101010101" pitchFamily="18" charset="-127"/>
+                <a:ea typeface="휴먼엑스포" panose="02030504000101010101" pitchFamily="18" charset="-127"/>
+              </a:rPr>
+              <a:t>회원 목록</a:t>
+            </a:r>
+            <a:endParaRPr lang="ko-KR" altLang="en-US" dirty="0"/>
+          </a:p>
+        </p:txBody>
+      </p:sp>
+      <p:pic>
+        <p:nvPicPr>
+          <p:cNvPr id="6" name="그림 5"/>
+          <p:cNvPicPr>
+            <a:picLocks noChangeAspect="1"/>
+          </p:cNvPicPr>
+          <p:nvPr/>
+        </p:nvPicPr>
+        <p:blipFill>
+          <a:blip r:embed="rId2">
+            <a:extLst>
+              <a:ext uri="{28A0092B-C50C-407E-A947-70E740481C1C}">
+                <a14:useLocalDpi xmlns:a14="http://schemas.microsoft.com/office/drawing/2010/main" val="0"/>
+              </a:ext>
+            </a:extLst>
+          </a:blip>
+          <a:stretch>
+            <a:fillRect/>
+          </a:stretch>
+        </p:blipFill>
+        <p:spPr>
+          <a:xfrm>
+            <a:off x="1208584" y="1052736"/>
+            <a:ext cx="7327291" cy="5115141"/>
+          </a:xfrm>
+          <a:prstGeom prst="rect">
+            <a:avLst/>
+          </a:prstGeom>
+          <a:ln>
+            <a:solidFill>
+              <a:schemeClr val="bg1">
+                <a:lumMod val="85000"/>
+              </a:schemeClr>
+            </a:solidFill>
+          </a:ln>
+        </p:spPr>
+      </p:pic>
+      <p:sp>
+        <p:nvSpPr>
+          <p:cNvPr id="8" name="TextBox 7"/>
+          <p:cNvSpPr txBox="1"/>
+          <p:nvPr/>
+        </p:nvSpPr>
+        <p:spPr>
+          <a:xfrm>
+            <a:off x="7905328" y="1772816"/>
+            <a:ext cx="1512168" cy="369332"/>
+          </a:xfrm>
+          <a:prstGeom prst="rect">
+            <a:avLst/>
+          </a:prstGeom>
+          <a:noFill/>
+        </p:spPr>
+        <p:txBody>
+          <a:bodyPr wrap="square" rtlCol="0">
+            <a:spAutoFit/>
+          </a:bodyPr>
+          <a:lstStyle/>
+          <a:p>
+            <a:r>
+              <a:rPr lang="en-US" altLang="ko-KR" dirty="0" smtClean="0"/>
+              <a:t>web</a:t>
+            </a:r>
+            <a:r>
+              <a:rPr lang="en-US" altLang="ko-KR" dirty="0" smtClean="0"/>
+              <a:t>.xml</a:t>
+            </a:r>
+            <a:endParaRPr lang="en-US" altLang="ko-KR" sz="1600" dirty="0" smtClean="0"/>
+          </a:p>
+        </p:txBody>
+      </p:sp>
+    </p:spTree>
+    <p:extLst>
+      <p:ext uri="{BB962C8B-B14F-4D97-AF65-F5344CB8AC3E}">
+        <p14:creationId xmlns:p14="http://schemas.microsoft.com/office/powerpoint/2010/main" val="142741105"/>
+      </p:ext>
+    </p:extLst>
+  </p:cSld>
+  <p:clrMapOvr>
+    <a:masterClrMapping/>
+  </p:clrMapOvr>
+  <p:timing>
+    <p:tnLst>
+      <p:par>
+        <p:cTn id="1" dur="indefinite" restart="never" nodeType="tmRoot"/>
+      </p:par>
+    </p:tnLst>
+  </p:timing>
+</p:sld>
+</file>
+
+<file path=ppt/slides/slide46.xml><?xml version="1.0" encoding="utf-8"?>
+<p:sld xmlns:a="http://schemas.openxmlformats.org/drawingml/2006/main" xmlns:r="http://schemas.openxmlformats.org/officeDocument/2006/relationships" xmlns:p="http://schemas.openxmlformats.org/presentationml/2006/main">
+  <p:cSld>
+    <p:spTree>
+      <p:nvGrpSpPr>
+        <p:cNvPr id="1" name=""/>
+        <p:cNvGrpSpPr/>
+        <p:nvPr/>
+      </p:nvGrpSpPr>
+      <p:grpSpPr>
+        <a:xfrm>
+          <a:off x="0" y="0"/>
+          <a:ext cx="0" cy="0"/>
+          <a:chOff x="0" y="0"/>
+          <a:chExt cx="0" cy="0"/>
+        </a:xfrm>
+      </p:grpSpPr>
+      <p:sp>
+        <p:nvSpPr>
+          <p:cNvPr id="15" name="제목 5"/>
+          <p:cNvSpPr txBox="1">
+            <a:spLocks/>
+          </p:cNvSpPr>
+          <p:nvPr/>
+        </p:nvSpPr>
+        <p:spPr>
+          <a:xfrm>
+            <a:off x="1" y="-18256"/>
+            <a:ext cx="5079014" cy="854968"/>
+          </a:xfrm>
+          <a:prstGeom prst="rect">
+            <a:avLst/>
+          </a:prstGeom>
+        </p:spPr>
+        <p:txBody>
+          <a:bodyPr anchor="ctr" anchorCtr="0"/>
+          <a:lstStyle>
+            <a:lvl1pPr algn="l" defTabSz="914400" rtl="0" eaLnBrk="1" latinLnBrk="1" hangingPunct="1">
+              <a:spcBef>
+                <a:spcPct val="0"/>
+              </a:spcBef>
+              <a:buNone/>
+              <a:defRPr sz="3200" kern="1200">
+                <a:solidFill>
+                  <a:schemeClr val="bg1"/>
+                </a:solidFill>
+                <a:latin typeface="HY헤드라인M" panose="02030600000101010101" pitchFamily="18" charset="-127"/>
+                <a:ea typeface="HY헤드라인M" panose="02030600000101010101" pitchFamily="18" charset="-127"/>
+                <a:cs typeface="+mj-cs"/>
+              </a:defRPr>
+            </a:lvl1pPr>
+          </a:lstStyle>
+          <a:p>
+            <a:r>
+              <a:rPr lang="en-US" altLang="ko-KR" dirty="0" smtClean="0"/>
+              <a:t> </a:t>
+            </a:r>
+            <a:endParaRPr lang="ko-KR" altLang="en-US" dirty="0"/>
+          </a:p>
+        </p:txBody>
+      </p:sp>
+      <p:sp>
+        <p:nvSpPr>
+          <p:cNvPr id="11" name="제목 5"/>
+          <p:cNvSpPr txBox="1">
+            <a:spLocks/>
+          </p:cNvSpPr>
+          <p:nvPr/>
+        </p:nvSpPr>
+        <p:spPr>
+          <a:xfrm>
+            <a:off x="152400" y="44624"/>
+            <a:ext cx="5304656" cy="854968"/>
+          </a:xfrm>
+          <a:prstGeom prst="rect">
+            <a:avLst/>
+          </a:prstGeom>
+        </p:spPr>
+        <p:txBody>
+          <a:bodyPr anchor="ctr" anchorCtr="0"/>
+          <a:lstStyle>
+            <a:lvl1pPr algn="l" defTabSz="914400" rtl="0" eaLnBrk="1" latinLnBrk="1" hangingPunct="1">
+              <a:spcBef>
+                <a:spcPct val="0"/>
+              </a:spcBef>
+              <a:buNone/>
+              <a:defRPr sz="3200" kern="1200">
+                <a:solidFill>
+                  <a:schemeClr val="bg1"/>
+                </a:solidFill>
+                <a:latin typeface="HY헤드라인M" panose="02030600000101010101" pitchFamily="18" charset="-127"/>
+                <a:ea typeface="HY헤드라인M" panose="02030600000101010101" pitchFamily="18" charset="-127"/>
+                <a:cs typeface="+mj-cs"/>
+              </a:defRPr>
+            </a:lvl1pPr>
+          </a:lstStyle>
+          <a:p>
+            <a:r>
+              <a:rPr lang="en-US" altLang="ko-KR" dirty="0" smtClean="0"/>
+              <a:t> </a:t>
+            </a:r>
+            <a:r>
+              <a:rPr lang="ko-KR" altLang="en-US" b="1" dirty="0" smtClean="0">
+                <a:latin typeface="휴먼엑스포" panose="02030504000101010101" pitchFamily="18" charset="-127"/>
+                <a:ea typeface="휴먼엑스포" panose="02030504000101010101" pitchFamily="18" charset="-127"/>
+              </a:rPr>
+              <a:t>관리자 페이지 </a:t>
+            </a:r>
+            <a:r>
+              <a:rPr lang="en-US" altLang="ko-KR" b="1" dirty="0" smtClean="0">
+                <a:latin typeface="휴먼엑스포" panose="02030504000101010101" pitchFamily="18" charset="-127"/>
+                <a:ea typeface="휴먼엑스포" panose="02030504000101010101" pitchFamily="18" charset="-127"/>
+              </a:rPr>
+              <a:t>– </a:t>
+            </a:r>
+            <a:r>
+              <a:rPr lang="ko-KR" altLang="en-US" b="1" dirty="0" smtClean="0">
+                <a:latin typeface="휴먼엑스포" panose="02030504000101010101" pitchFamily="18" charset="-127"/>
+                <a:ea typeface="휴먼엑스포" panose="02030504000101010101" pitchFamily="18" charset="-127"/>
+              </a:rPr>
+              <a:t>로그인</a:t>
+            </a:r>
+            <a:endParaRPr lang="ko-KR" altLang="en-US" dirty="0"/>
+          </a:p>
+        </p:txBody>
+      </p:sp>
+      <p:pic>
+        <p:nvPicPr>
+          <p:cNvPr id="2" name="그림 1"/>
+          <p:cNvPicPr>
+            <a:picLocks noChangeAspect="1"/>
+          </p:cNvPicPr>
+          <p:nvPr/>
+        </p:nvPicPr>
+        <p:blipFill rotWithShape="1">
+          <a:blip r:embed="rId2">
+            <a:extLst>
+              <a:ext uri="{28A0092B-C50C-407E-A947-70E740481C1C}">
+                <a14:useLocalDpi xmlns:a14="http://schemas.microsoft.com/office/drawing/2010/main" val="0"/>
+              </a:ext>
+            </a:extLst>
+          </a:blip>
+          <a:srcRect t="9949"/>
+          <a:stretch/>
+        </p:blipFill>
+        <p:spPr>
+          <a:xfrm>
+            <a:off x="620654" y="1484784"/>
+            <a:ext cx="8664691" cy="4371396"/>
+          </a:xfrm>
+          <a:prstGeom prst="rect">
+            <a:avLst/>
+          </a:prstGeom>
+          <a:ln>
+            <a:solidFill>
+              <a:schemeClr val="bg1">
+                <a:lumMod val="85000"/>
+              </a:schemeClr>
+            </a:solidFill>
+          </a:ln>
+        </p:spPr>
+      </p:pic>
+      <p:sp>
+        <p:nvSpPr>
+          <p:cNvPr id="7" name="TextBox 6"/>
+          <p:cNvSpPr txBox="1"/>
+          <p:nvPr/>
+        </p:nvSpPr>
+        <p:spPr>
+          <a:xfrm>
+            <a:off x="7689304" y="1556792"/>
+            <a:ext cx="2088232" cy="369332"/>
+          </a:xfrm>
+          <a:prstGeom prst="rect">
+            <a:avLst/>
+          </a:prstGeom>
+          <a:noFill/>
+        </p:spPr>
+        <p:txBody>
+          <a:bodyPr wrap="square" rtlCol="0">
+            <a:spAutoFit/>
+          </a:bodyPr>
+          <a:lstStyle/>
+          <a:p>
+            <a:r>
+              <a:rPr lang="ko-KR" altLang="en-US" dirty="0"/>
+              <a:t> </a:t>
+            </a:r>
+            <a:r>
+              <a:rPr lang="en-US" altLang="ko-KR" dirty="0" err="1" smtClean="0"/>
+              <a:t>adminLogin.jsp</a:t>
+            </a:r>
+            <a:endParaRPr lang="en-US" altLang="ko-KR" sz="1600" dirty="0" smtClean="0"/>
+          </a:p>
+        </p:txBody>
+      </p:sp>
+    </p:spTree>
+    <p:extLst>
+      <p:ext uri="{BB962C8B-B14F-4D97-AF65-F5344CB8AC3E}">
+        <p14:creationId xmlns:p14="http://schemas.microsoft.com/office/powerpoint/2010/main" val="4069555641"/>
+      </p:ext>
+    </p:extLst>
+  </p:cSld>
+  <p:clrMapOvr>
+    <a:masterClrMapping/>
+  </p:clrMapOvr>
+  <p:timing>
+    <p:tnLst>
+      <p:par>
+        <p:cTn id="1" dur="indefinite" restart="never" nodeType="tmRoot"/>
+      </p:par>
+    </p:tnLst>
+  </p:timing>
+</p:sld>
+</file>
+
+<file path=ppt/slides/slide47.xml><?xml version="1.0" encoding="utf-8"?>
+<p:sld xmlns:a="http://schemas.openxmlformats.org/drawingml/2006/main" xmlns:r="http://schemas.openxmlformats.org/officeDocument/2006/relationships" xmlns:p="http://schemas.openxmlformats.org/presentationml/2006/main">
+  <p:cSld>
+    <p:spTree>
+      <p:nvGrpSpPr>
+        <p:cNvPr id="1" name=""/>
+        <p:cNvGrpSpPr/>
+        <p:nvPr/>
+      </p:nvGrpSpPr>
+      <p:grpSpPr>
+        <a:xfrm>
+          <a:off x="0" y="0"/>
+          <a:ext cx="0" cy="0"/>
+          <a:chOff x="0" y="0"/>
+          <a:chExt cx="0" cy="0"/>
+        </a:xfrm>
+      </p:grpSpPr>
+      <p:sp>
+        <p:nvSpPr>
+          <p:cNvPr id="15" name="제목 5"/>
+          <p:cNvSpPr txBox="1">
+            <a:spLocks/>
+          </p:cNvSpPr>
+          <p:nvPr/>
+        </p:nvSpPr>
+        <p:spPr>
+          <a:xfrm>
+            <a:off x="1" y="-18256"/>
+            <a:ext cx="5079014" cy="854968"/>
+          </a:xfrm>
+          <a:prstGeom prst="rect">
+            <a:avLst/>
+          </a:prstGeom>
+        </p:spPr>
+        <p:txBody>
+          <a:bodyPr anchor="ctr" anchorCtr="0"/>
+          <a:lstStyle>
+            <a:lvl1pPr algn="l" defTabSz="914400" rtl="0" eaLnBrk="1" latinLnBrk="1" hangingPunct="1">
+              <a:spcBef>
+                <a:spcPct val="0"/>
+              </a:spcBef>
+              <a:buNone/>
+              <a:defRPr sz="3200" kern="1200">
+                <a:solidFill>
+                  <a:schemeClr val="bg1"/>
+                </a:solidFill>
+                <a:latin typeface="HY헤드라인M" panose="02030600000101010101" pitchFamily="18" charset="-127"/>
+                <a:ea typeface="HY헤드라인M" panose="02030600000101010101" pitchFamily="18" charset="-127"/>
+                <a:cs typeface="+mj-cs"/>
+              </a:defRPr>
+            </a:lvl1pPr>
+          </a:lstStyle>
+          <a:p>
+            <a:r>
+              <a:rPr lang="en-US" altLang="ko-KR" dirty="0" smtClean="0"/>
+              <a:t> </a:t>
+            </a:r>
+            <a:endParaRPr lang="ko-KR" altLang="en-US" dirty="0"/>
+          </a:p>
+        </p:txBody>
+      </p:sp>
+      <p:sp>
+        <p:nvSpPr>
+          <p:cNvPr id="11" name="제목 5"/>
+          <p:cNvSpPr txBox="1">
+            <a:spLocks/>
+          </p:cNvSpPr>
+          <p:nvPr/>
+        </p:nvSpPr>
+        <p:spPr>
+          <a:xfrm>
+            <a:off x="152400" y="44624"/>
+            <a:ext cx="5304656" cy="854968"/>
+          </a:xfrm>
+          <a:prstGeom prst="rect">
+            <a:avLst/>
+          </a:prstGeom>
+        </p:spPr>
+        <p:txBody>
+          <a:bodyPr anchor="ctr" anchorCtr="0"/>
+          <a:lstStyle>
+            <a:lvl1pPr algn="l" defTabSz="914400" rtl="0" eaLnBrk="1" latinLnBrk="1" hangingPunct="1">
+              <a:spcBef>
+                <a:spcPct val="0"/>
+              </a:spcBef>
+              <a:buNone/>
+              <a:defRPr sz="3200" kern="1200">
+                <a:solidFill>
+                  <a:schemeClr val="bg1"/>
+                </a:solidFill>
+                <a:latin typeface="HY헤드라인M" panose="02030600000101010101" pitchFamily="18" charset="-127"/>
+                <a:ea typeface="HY헤드라인M" panose="02030600000101010101" pitchFamily="18" charset="-127"/>
+                <a:cs typeface="+mj-cs"/>
+              </a:defRPr>
+            </a:lvl1pPr>
+          </a:lstStyle>
+          <a:p>
+            <a:r>
+              <a:rPr lang="en-US" altLang="ko-KR" dirty="0" smtClean="0"/>
+              <a:t> </a:t>
+            </a:r>
+            <a:r>
+              <a:rPr lang="ko-KR" altLang="en-US" b="1" dirty="0" smtClean="0">
+                <a:latin typeface="휴먼엑스포" panose="02030504000101010101" pitchFamily="18" charset="-127"/>
+                <a:ea typeface="휴먼엑스포" panose="02030504000101010101" pitchFamily="18" charset="-127"/>
+              </a:rPr>
+              <a:t>관리자 페이지 </a:t>
+            </a:r>
+            <a:r>
+              <a:rPr lang="en-US" altLang="ko-KR" b="1" dirty="0" smtClean="0">
+                <a:latin typeface="휴먼엑스포" panose="02030504000101010101" pitchFamily="18" charset="-127"/>
+                <a:ea typeface="휴먼엑스포" panose="02030504000101010101" pitchFamily="18" charset="-127"/>
+              </a:rPr>
+              <a:t>– </a:t>
+            </a:r>
+            <a:r>
+              <a:rPr lang="ko-KR" altLang="en-US" b="1" dirty="0" smtClean="0">
+                <a:latin typeface="휴먼엑스포" panose="02030504000101010101" pitchFamily="18" charset="-127"/>
+                <a:ea typeface="휴먼엑스포" panose="02030504000101010101" pitchFamily="18" charset="-127"/>
+              </a:rPr>
+              <a:t>로그인</a:t>
+            </a:r>
+            <a:endParaRPr lang="ko-KR" altLang="en-US" dirty="0"/>
+          </a:p>
+        </p:txBody>
+      </p:sp>
+      <p:pic>
+        <p:nvPicPr>
+          <p:cNvPr id="3" name="그림 2"/>
+          <p:cNvPicPr>
+            <a:picLocks noChangeAspect="1"/>
+          </p:cNvPicPr>
+          <p:nvPr/>
+        </p:nvPicPr>
+        <p:blipFill>
+          <a:blip r:embed="rId2">
+            <a:extLst>
+              <a:ext uri="{28A0092B-C50C-407E-A947-70E740481C1C}">
+                <a14:useLocalDpi xmlns:a14="http://schemas.microsoft.com/office/drawing/2010/main" val="0"/>
+              </a:ext>
+            </a:extLst>
+          </a:blip>
+          <a:stretch>
+            <a:fillRect/>
+          </a:stretch>
+        </p:blipFill>
+        <p:spPr>
+          <a:xfrm>
+            <a:off x="1280592" y="1988840"/>
+            <a:ext cx="7110076" cy="2690093"/>
+          </a:xfrm>
+          <a:prstGeom prst="rect">
+            <a:avLst/>
+          </a:prstGeom>
+          <a:ln>
+            <a:solidFill>
+              <a:schemeClr val="bg1">
+                <a:lumMod val="85000"/>
+              </a:schemeClr>
+            </a:solidFill>
+          </a:ln>
+        </p:spPr>
+      </p:pic>
+    </p:spTree>
+    <p:extLst>
+      <p:ext uri="{BB962C8B-B14F-4D97-AF65-F5344CB8AC3E}">
+        <p14:creationId xmlns:p14="http://schemas.microsoft.com/office/powerpoint/2010/main" val="1994795136"/>
+      </p:ext>
+    </p:extLst>
+  </p:cSld>
+  <p:clrMapOvr>
+    <a:masterClrMapping/>
+  </p:clrMapOvr>
+  <p:timing>
+    <p:tnLst>
+      <p:par>
+        <p:cTn id="1" dur="indefinite" restart="never" nodeType="tmRoot"/>
+      </p:par>
+    </p:tnLst>
+  </p:timing>
+</p:sld>
+</file>
+
+<file path=ppt/slides/slide48.xml><?xml version="1.0" encoding="utf-8"?>
+<p:sld xmlns:a="http://schemas.openxmlformats.org/drawingml/2006/main" xmlns:r="http://schemas.openxmlformats.org/officeDocument/2006/relationships" xmlns:p="http://schemas.openxmlformats.org/presentationml/2006/main">
+  <p:cSld>
+    <p:spTree>
+      <p:nvGrpSpPr>
+        <p:cNvPr id="1" name=""/>
+        <p:cNvGrpSpPr/>
+        <p:nvPr/>
+      </p:nvGrpSpPr>
+      <p:grpSpPr>
+        <a:xfrm>
+          <a:off x="0" y="0"/>
+          <a:ext cx="0" cy="0"/>
+          <a:chOff x="0" y="0"/>
+          <a:chExt cx="0" cy="0"/>
+        </a:xfrm>
+      </p:grpSpPr>
+      <p:sp>
+        <p:nvSpPr>
+          <p:cNvPr id="15" name="제목 5"/>
+          <p:cNvSpPr txBox="1">
+            <a:spLocks/>
+          </p:cNvSpPr>
+          <p:nvPr/>
+        </p:nvSpPr>
+        <p:spPr>
+          <a:xfrm>
+            <a:off x="1" y="-18256"/>
+            <a:ext cx="5079014" cy="854968"/>
+          </a:xfrm>
+          <a:prstGeom prst="rect">
+            <a:avLst/>
+          </a:prstGeom>
+        </p:spPr>
+        <p:txBody>
+          <a:bodyPr anchor="ctr" anchorCtr="0"/>
+          <a:lstStyle>
+            <a:lvl1pPr algn="l" defTabSz="914400" rtl="0" eaLnBrk="1" latinLnBrk="1" hangingPunct="1">
+              <a:spcBef>
+                <a:spcPct val="0"/>
+              </a:spcBef>
+              <a:buNone/>
+              <a:defRPr sz="3200" kern="1200">
+                <a:solidFill>
+                  <a:schemeClr val="bg1"/>
+                </a:solidFill>
+                <a:latin typeface="HY헤드라인M" panose="02030600000101010101" pitchFamily="18" charset="-127"/>
+                <a:ea typeface="HY헤드라인M" panose="02030600000101010101" pitchFamily="18" charset="-127"/>
+                <a:cs typeface="+mj-cs"/>
+              </a:defRPr>
+            </a:lvl1pPr>
+          </a:lstStyle>
+          <a:p>
+            <a:r>
+              <a:rPr lang="en-US" altLang="ko-KR" dirty="0" smtClean="0"/>
+              <a:t> </a:t>
+            </a:r>
+            <a:endParaRPr lang="ko-KR" altLang="en-US" dirty="0"/>
+          </a:p>
+        </p:txBody>
+      </p:sp>
+      <p:sp>
+        <p:nvSpPr>
+          <p:cNvPr id="11" name="제목 5"/>
+          <p:cNvSpPr txBox="1">
+            <a:spLocks/>
+          </p:cNvSpPr>
+          <p:nvPr/>
+        </p:nvSpPr>
+        <p:spPr>
+          <a:xfrm>
+            <a:off x="152400" y="44624"/>
+            <a:ext cx="5304656" cy="854968"/>
+          </a:xfrm>
+          <a:prstGeom prst="rect">
+            <a:avLst/>
+          </a:prstGeom>
+        </p:spPr>
+        <p:txBody>
+          <a:bodyPr anchor="ctr" anchorCtr="0"/>
+          <a:lstStyle>
+            <a:lvl1pPr algn="l" defTabSz="914400" rtl="0" eaLnBrk="1" latinLnBrk="1" hangingPunct="1">
+              <a:spcBef>
+                <a:spcPct val="0"/>
+              </a:spcBef>
+              <a:buNone/>
+              <a:defRPr sz="3200" kern="1200">
+                <a:solidFill>
+                  <a:schemeClr val="bg1"/>
+                </a:solidFill>
+                <a:latin typeface="HY헤드라인M" panose="02030600000101010101" pitchFamily="18" charset="-127"/>
+                <a:ea typeface="HY헤드라인M" panose="02030600000101010101" pitchFamily="18" charset="-127"/>
+                <a:cs typeface="+mj-cs"/>
+              </a:defRPr>
+            </a:lvl1pPr>
+          </a:lstStyle>
+          <a:p>
+            <a:r>
+              <a:rPr lang="en-US" altLang="ko-KR" dirty="0" smtClean="0"/>
+              <a:t> </a:t>
+            </a:r>
+            <a:r>
+              <a:rPr lang="ko-KR" altLang="en-US" b="1" dirty="0" smtClean="0">
+                <a:latin typeface="휴먼엑스포" panose="02030504000101010101" pitchFamily="18" charset="-127"/>
+                <a:ea typeface="휴먼엑스포" panose="02030504000101010101" pitchFamily="18" charset="-127"/>
+              </a:rPr>
+              <a:t>관리자 페이지 </a:t>
+            </a:r>
+            <a:r>
+              <a:rPr lang="en-US" altLang="ko-KR" b="1" dirty="0" smtClean="0">
+                <a:latin typeface="휴먼엑스포" panose="02030504000101010101" pitchFamily="18" charset="-127"/>
+                <a:ea typeface="휴먼엑스포" panose="02030504000101010101" pitchFamily="18" charset="-127"/>
+              </a:rPr>
+              <a:t>– </a:t>
+            </a:r>
+            <a:r>
+              <a:rPr lang="ko-KR" altLang="en-US" b="1" dirty="0" smtClean="0">
+                <a:latin typeface="휴먼엑스포" panose="02030504000101010101" pitchFamily="18" charset="-127"/>
+                <a:ea typeface="휴먼엑스포" panose="02030504000101010101" pitchFamily="18" charset="-127"/>
+              </a:rPr>
+              <a:t>로그인</a:t>
+            </a:r>
+            <a:endParaRPr lang="ko-KR" altLang="en-US" dirty="0"/>
+          </a:p>
+        </p:txBody>
+      </p:sp>
+      <p:pic>
+        <p:nvPicPr>
+          <p:cNvPr id="2" name="그림 1"/>
+          <p:cNvPicPr>
+            <a:picLocks noChangeAspect="1"/>
+          </p:cNvPicPr>
+          <p:nvPr/>
+        </p:nvPicPr>
+        <p:blipFill>
+          <a:blip r:embed="rId2">
+            <a:extLst>
+              <a:ext uri="{28A0092B-C50C-407E-A947-70E740481C1C}">
+                <a14:useLocalDpi xmlns:a14="http://schemas.microsoft.com/office/drawing/2010/main" val="0"/>
+              </a:ext>
+            </a:extLst>
+          </a:blip>
+          <a:stretch>
+            <a:fillRect/>
+          </a:stretch>
+        </p:blipFill>
+        <p:spPr>
+          <a:xfrm>
+            <a:off x="1136576" y="2132856"/>
+            <a:ext cx="7552074" cy="1196444"/>
+          </a:xfrm>
+          <a:prstGeom prst="rect">
+            <a:avLst/>
+          </a:prstGeom>
+          <a:ln>
+            <a:solidFill>
+              <a:schemeClr val="bg1">
+                <a:lumMod val="85000"/>
+              </a:schemeClr>
+            </a:solidFill>
+          </a:ln>
+        </p:spPr>
+      </p:pic>
+      <p:sp>
+        <p:nvSpPr>
+          <p:cNvPr id="6" name="TextBox 5"/>
+          <p:cNvSpPr txBox="1"/>
+          <p:nvPr/>
+        </p:nvSpPr>
+        <p:spPr>
+          <a:xfrm>
+            <a:off x="6825208" y="1556792"/>
+            <a:ext cx="2088232" cy="369332"/>
+          </a:xfrm>
+          <a:prstGeom prst="rect">
+            <a:avLst/>
+          </a:prstGeom>
+          <a:noFill/>
+        </p:spPr>
+        <p:txBody>
+          <a:bodyPr wrap="square" rtlCol="0">
+            <a:spAutoFit/>
+          </a:bodyPr>
+          <a:lstStyle/>
+          <a:p>
+            <a:r>
+              <a:rPr lang="ko-KR" altLang="en-US" dirty="0"/>
+              <a:t> </a:t>
+            </a:r>
+            <a:r>
+              <a:rPr lang="en-US" altLang="ko-KR" dirty="0" err="1" smtClean="0"/>
+              <a:t>loginFailed</a:t>
+            </a:r>
+            <a:r>
+              <a:rPr lang="en-US" altLang="ko-KR" dirty="0" err="1" smtClean="0"/>
+              <a:t>.jsp</a:t>
+            </a:r>
+            <a:endParaRPr lang="en-US" altLang="ko-KR" sz="1600" dirty="0" smtClean="0"/>
+          </a:p>
+        </p:txBody>
+      </p:sp>
+    </p:spTree>
+    <p:extLst>
+      <p:ext uri="{BB962C8B-B14F-4D97-AF65-F5344CB8AC3E}">
+        <p14:creationId xmlns:p14="http://schemas.microsoft.com/office/powerpoint/2010/main" val="27306972"/>
+      </p:ext>
+    </p:extLst>
+  </p:cSld>
+  <p:clrMapOvr>
+    <a:masterClrMapping/>
+  </p:clrMapOvr>
+  <p:timing>
+    <p:tnLst>
+      <p:par>
+        <p:cTn id="1" dur="indefinite" restart="never" nodeType="tmRoot"/>
+      </p:par>
+    </p:tnLst>
+  </p:timing>
+</p:sld>
+</file>
+
+<file path=ppt/slides/slide49.xml><?xml version="1.0" encoding="utf-8"?>
+<p:sld xmlns:a="http://schemas.openxmlformats.org/drawingml/2006/main" xmlns:r="http://schemas.openxmlformats.org/officeDocument/2006/relationships" xmlns:p="http://schemas.openxmlformats.org/presentationml/2006/main">
+  <p:cSld>
+    <p:spTree>
+      <p:nvGrpSpPr>
+        <p:cNvPr id="1" name=""/>
+        <p:cNvGrpSpPr/>
+        <p:nvPr/>
+      </p:nvGrpSpPr>
+      <p:grpSpPr>
+        <a:xfrm>
+          <a:off x="0" y="0"/>
+          <a:ext cx="0" cy="0"/>
+          <a:chOff x="0" y="0"/>
+          <a:chExt cx="0" cy="0"/>
+        </a:xfrm>
+      </p:grpSpPr>
+      <p:sp>
+        <p:nvSpPr>
+          <p:cNvPr id="15" name="제목 5"/>
+          <p:cNvSpPr txBox="1">
+            <a:spLocks/>
+          </p:cNvSpPr>
+          <p:nvPr/>
+        </p:nvSpPr>
+        <p:spPr>
+          <a:xfrm>
+            <a:off x="1" y="-18256"/>
+            <a:ext cx="5079014" cy="854968"/>
+          </a:xfrm>
+          <a:prstGeom prst="rect">
+            <a:avLst/>
+          </a:prstGeom>
+        </p:spPr>
+        <p:txBody>
+          <a:bodyPr anchor="ctr" anchorCtr="0"/>
+          <a:lstStyle>
+            <a:lvl1pPr algn="l" defTabSz="914400" rtl="0" eaLnBrk="1" latinLnBrk="1" hangingPunct="1">
+              <a:spcBef>
+                <a:spcPct val="0"/>
+              </a:spcBef>
+              <a:buNone/>
+              <a:defRPr sz="3200" kern="1200">
+                <a:solidFill>
+                  <a:schemeClr val="bg1"/>
+                </a:solidFill>
+                <a:latin typeface="HY헤드라인M" panose="02030600000101010101" pitchFamily="18" charset="-127"/>
+                <a:ea typeface="HY헤드라인M" panose="02030600000101010101" pitchFamily="18" charset="-127"/>
+                <a:cs typeface="+mj-cs"/>
+              </a:defRPr>
+            </a:lvl1pPr>
+          </a:lstStyle>
+          <a:p>
+            <a:r>
+              <a:rPr lang="en-US" altLang="ko-KR" dirty="0" smtClean="0"/>
+              <a:t> </a:t>
+            </a:r>
+            <a:endParaRPr lang="ko-KR" altLang="en-US" dirty="0"/>
+          </a:p>
+        </p:txBody>
+      </p:sp>
+      <p:sp>
+        <p:nvSpPr>
+          <p:cNvPr id="11" name="제목 5"/>
+          <p:cNvSpPr txBox="1">
+            <a:spLocks/>
+          </p:cNvSpPr>
+          <p:nvPr/>
+        </p:nvSpPr>
+        <p:spPr>
+          <a:xfrm>
+            <a:off x="152400" y="44624"/>
+            <a:ext cx="5304656" cy="854968"/>
+          </a:xfrm>
+          <a:prstGeom prst="rect">
+            <a:avLst/>
+          </a:prstGeom>
+        </p:spPr>
+        <p:txBody>
+          <a:bodyPr anchor="ctr" anchorCtr="0"/>
+          <a:lstStyle>
+            <a:lvl1pPr algn="l" defTabSz="914400" rtl="0" eaLnBrk="1" latinLnBrk="1" hangingPunct="1">
+              <a:spcBef>
+                <a:spcPct val="0"/>
+              </a:spcBef>
+              <a:buNone/>
+              <a:defRPr sz="3200" kern="1200">
+                <a:solidFill>
+                  <a:schemeClr val="bg1"/>
+                </a:solidFill>
+                <a:latin typeface="HY헤드라인M" panose="02030600000101010101" pitchFamily="18" charset="-127"/>
+                <a:ea typeface="HY헤드라인M" panose="02030600000101010101" pitchFamily="18" charset="-127"/>
+                <a:cs typeface="+mj-cs"/>
+              </a:defRPr>
+            </a:lvl1pPr>
+          </a:lstStyle>
+          <a:p>
+            <a:r>
+              <a:rPr lang="en-US" altLang="ko-KR" dirty="0" smtClean="0"/>
+              <a:t> </a:t>
+            </a:r>
+            <a:r>
+              <a:rPr lang="ko-KR" altLang="en-US" b="1" dirty="0" smtClean="0">
+                <a:latin typeface="휴먼엑스포" panose="02030504000101010101" pitchFamily="18" charset="-127"/>
+                <a:ea typeface="휴먼엑스포" panose="02030504000101010101" pitchFamily="18" charset="-127"/>
+              </a:rPr>
+              <a:t>관리자 페이지 </a:t>
+            </a:r>
+            <a:r>
+              <a:rPr lang="en-US" altLang="ko-KR" b="1" dirty="0" smtClean="0">
+                <a:latin typeface="휴먼엑스포" panose="02030504000101010101" pitchFamily="18" charset="-127"/>
+                <a:ea typeface="휴먼엑스포" panose="02030504000101010101" pitchFamily="18" charset="-127"/>
+              </a:rPr>
+              <a:t>– </a:t>
+            </a:r>
+            <a:r>
+              <a:rPr lang="ko-KR" altLang="en-US" b="1" dirty="0" smtClean="0">
+                <a:latin typeface="휴먼엑스포" panose="02030504000101010101" pitchFamily="18" charset="-127"/>
+                <a:ea typeface="휴먼엑스포" panose="02030504000101010101" pitchFamily="18" charset="-127"/>
+              </a:rPr>
+              <a:t>회원 삭제</a:t>
+            </a:r>
+            <a:endParaRPr lang="ko-KR" altLang="en-US" dirty="0"/>
+          </a:p>
+        </p:txBody>
+      </p:sp>
+      <p:pic>
+        <p:nvPicPr>
+          <p:cNvPr id="3" name="그림 2"/>
+          <p:cNvPicPr>
+            <a:picLocks noChangeAspect="1"/>
+          </p:cNvPicPr>
+          <p:nvPr/>
+        </p:nvPicPr>
+        <p:blipFill>
+          <a:blip r:embed="rId2">
+            <a:extLst>
+              <a:ext uri="{28A0092B-C50C-407E-A947-70E740481C1C}">
+                <a14:useLocalDpi xmlns:a14="http://schemas.microsoft.com/office/drawing/2010/main" val="0"/>
+              </a:ext>
+            </a:extLst>
+          </a:blip>
+          <a:stretch>
+            <a:fillRect/>
+          </a:stretch>
+        </p:blipFill>
+        <p:spPr>
+          <a:xfrm>
+            <a:off x="2072680" y="1268760"/>
+            <a:ext cx="5770393" cy="4732449"/>
+          </a:xfrm>
+          <a:prstGeom prst="rect">
+            <a:avLst/>
+          </a:prstGeom>
+          <a:ln>
+            <a:solidFill>
+              <a:schemeClr val="bg1">
+                <a:lumMod val="85000"/>
+              </a:schemeClr>
+            </a:solidFill>
+          </a:ln>
+        </p:spPr>
+      </p:pic>
+    </p:spTree>
+    <p:extLst>
+      <p:ext uri="{BB962C8B-B14F-4D97-AF65-F5344CB8AC3E}">
+        <p14:creationId xmlns:p14="http://schemas.microsoft.com/office/powerpoint/2010/main" val="3062280910"/>
+      </p:ext>
+    </p:extLst>
+  </p:cSld>
+  <p:clrMapOvr>
+    <a:masterClrMapping/>
+  </p:clrMapOvr>
+  <p:timing>
+    <p:tnLst>
+      <p:par>
+        <p:cTn id="1" dur="indefinite" restart="never" nodeType="tmRoot"/>
+      </p:par>
+    </p:tnLst>
+  </p:timing>
+</p:sld>
+</file>
+
 <file path=ppt/slides/slide5.xml><?xml version="1.0" encoding="utf-8"?>
 <p:sld xmlns:a="http://schemas.openxmlformats.org/drawingml/2006/main" xmlns:r="http://schemas.openxmlformats.org/officeDocument/2006/relationships" xmlns:p="http://schemas.openxmlformats.org/presentationml/2006/main">
   <p:cSld>
@@ -12378,6 +14026,976 @@
     <p:extLst>
       <p:ext uri="{BB962C8B-B14F-4D97-AF65-F5344CB8AC3E}">
         <p14:creationId xmlns:p14="http://schemas.microsoft.com/office/powerpoint/2010/main" val="3394243848"/>
+      </p:ext>
+    </p:extLst>
+  </p:cSld>
+  <p:clrMapOvr>
+    <a:masterClrMapping/>
+  </p:clrMapOvr>
+  <p:timing>
+    <p:tnLst>
+      <p:par>
+        <p:cTn id="1" dur="indefinite" restart="never" nodeType="tmRoot"/>
+      </p:par>
+    </p:tnLst>
+  </p:timing>
+</p:sld>
+</file>
+
+<file path=ppt/slides/slide50.xml><?xml version="1.0" encoding="utf-8"?>
+<p:sld xmlns:a="http://schemas.openxmlformats.org/drawingml/2006/main" xmlns:r="http://schemas.openxmlformats.org/officeDocument/2006/relationships" xmlns:p="http://schemas.openxmlformats.org/presentationml/2006/main">
+  <p:cSld>
+    <p:spTree>
+      <p:nvGrpSpPr>
+        <p:cNvPr id="1" name=""/>
+        <p:cNvGrpSpPr/>
+        <p:nvPr/>
+      </p:nvGrpSpPr>
+      <p:grpSpPr>
+        <a:xfrm>
+          <a:off x="0" y="0"/>
+          <a:ext cx="0" cy="0"/>
+          <a:chOff x="0" y="0"/>
+          <a:chExt cx="0" cy="0"/>
+        </a:xfrm>
+      </p:grpSpPr>
+      <p:sp>
+        <p:nvSpPr>
+          <p:cNvPr id="15" name="제목 5"/>
+          <p:cNvSpPr txBox="1">
+            <a:spLocks/>
+          </p:cNvSpPr>
+          <p:nvPr/>
+        </p:nvSpPr>
+        <p:spPr>
+          <a:xfrm>
+            <a:off x="1" y="-18256"/>
+            <a:ext cx="5079014" cy="854968"/>
+          </a:xfrm>
+          <a:prstGeom prst="rect">
+            <a:avLst/>
+          </a:prstGeom>
+        </p:spPr>
+        <p:txBody>
+          <a:bodyPr anchor="ctr" anchorCtr="0"/>
+          <a:lstStyle>
+            <a:lvl1pPr algn="l" defTabSz="914400" rtl="0" eaLnBrk="1" latinLnBrk="1" hangingPunct="1">
+              <a:spcBef>
+                <a:spcPct val="0"/>
+              </a:spcBef>
+              <a:buNone/>
+              <a:defRPr sz="3200" kern="1200">
+                <a:solidFill>
+                  <a:schemeClr val="bg1"/>
+                </a:solidFill>
+                <a:latin typeface="HY헤드라인M" panose="02030600000101010101" pitchFamily="18" charset="-127"/>
+                <a:ea typeface="HY헤드라인M" panose="02030600000101010101" pitchFamily="18" charset="-127"/>
+                <a:cs typeface="+mj-cs"/>
+              </a:defRPr>
+            </a:lvl1pPr>
+          </a:lstStyle>
+          <a:p>
+            <a:r>
+              <a:rPr lang="en-US" altLang="ko-KR" dirty="0" smtClean="0"/>
+              <a:t> </a:t>
+            </a:r>
+            <a:endParaRPr lang="ko-KR" altLang="en-US" dirty="0"/>
+          </a:p>
+        </p:txBody>
+      </p:sp>
+      <p:sp>
+        <p:nvSpPr>
+          <p:cNvPr id="11" name="제목 5"/>
+          <p:cNvSpPr txBox="1">
+            <a:spLocks/>
+          </p:cNvSpPr>
+          <p:nvPr/>
+        </p:nvSpPr>
+        <p:spPr>
+          <a:xfrm>
+            <a:off x="152400" y="44624"/>
+            <a:ext cx="5304656" cy="854968"/>
+          </a:xfrm>
+          <a:prstGeom prst="rect">
+            <a:avLst/>
+          </a:prstGeom>
+        </p:spPr>
+        <p:txBody>
+          <a:bodyPr anchor="ctr" anchorCtr="0"/>
+          <a:lstStyle>
+            <a:lvl1pPr algn="l" defTabSz="914400" rtl="0" eaLnBrk="1" latinLnBrk="1" hangingPunct="1">
+              <a:spcBef>
+                <a:spcPct val="0"/>
+              </a:spcBef>
+              <a:buNone/>
+              <a:defRPr sz="3200" kern="1200">
+                <a:solidFill>
+                  <a:schemeClr val="bg1"/>
+                </a:solidFill>
+                <a:latin typeface="HY헤드라인M" panose="02030600000101010101" pitchFamily="18" charset="-127"/>
+                <a:ea typeface="HY헤드라인M" panose="02030600000101010101" pitchFamily="18" charset="-127"/>
+                <a:cs typeface="+mj-cs"/>
+              </a:defRPr>
+            </a:lvl1pPr>
+          </a:lstStyle>
+          <a:p>
+            <a:r>
+              <a:rPr lang="en-US" altLang="ko-KR" dirty="0" smtClean="0"/>
+              <a:t> </a:t>
+            </a:r>
+            <a:r>
+              <a:rPr lang="ko-KR" altLang="en-US" b="1" dirty="0" smtClean="0">
+                <a:latin typeface="휴먼엑스포" panose="02030504000101010101" pitchFamily="18" charset="-127"/>
+                <a:ea typeface="휴먼엑스포" panose="02030504000101010101" pitchFamily="18" charset="-127"/>
+              </a:rPr>
+              <a:t>관리자 페이지 </a:t>
+            </a:r>
+            <a:r>
+              <a:rPr lang="en-US" altLang="ko-KR" b="1" dirty="0" smtClean="0">
+                <a:latin typeface="휴먼엑스포" panose="02030504000101010101" pitchFamily="18" charset="-127"/>
+                <a:ea typeface="휴먼엑스포" panose="02030504000101010101" pitchFamily="18" charset="-127"/>
+              </a:rPr>
+              <a:t>– </a:t>
+            </a:r>
+            <a:r>
+              <a:rPr lang="ko-KR" altLang="en-US" b="1" dirty="0" smtClean="0">
+                <a:latin typeface="휴먼엑스포" panose="02030504000101010101" pitchFamily="18" charset="-127"/>
+                <a:ea typeface="휴먼엑스포" panose="02030504000101010101" pitchFamily="18" charset="-127"/>
+              </a:rPr>
+              <a:t>회원 삭제</a:t>
+            </a:r>
+            <a:endParaRPr lang="ko-KR" altLang="en-US" dirty="0"/>
+          </a:p>
+        </p:txBody>
+      </p:sp>
+      <p:pic>
+        <p:nvPicPr>
+          <p:cNvPr id="2" name="그림 1"/>
+          <p:cNvPicPr>
+            <a:picLocks noChangeAspect="1"/>
+          </p:cNvPicPr>
+          <p:nvPr/>
+        </p:nvPicPr>
+        <p:blipFill>
+          <a:blip r:embed="rId2">
+            <a:extLst>
+              <a:ext uri="{28A0092B-C50C-407E-A947-70E740481C1C}">
+                <a14:useLocalDpi xmlns:a14="http://schemas.microsoft.com/office/drawing/2010/main" val="0"/>
+              </a:ext>
+            </a:extLst>
+          </a:blip>
+          <a:stretch>
+            <a:fillRect/>
+          </a:stretch>
+        </p:blipFill>
+        <p:spPr>
+          <a:xfrm>
+            <a:off x="1142670" y="2217315"/>
+            <a:ext cx="7620660" cy="2423370"/>
+          </a:xfrm>
+          <a:prstGeom prst="rect">
+            <a:avLst/>
+          </a:prstGeom>
+          <a:ln>
+            <a:solidFill>
+              <a:schemeClr val="bg1">
+                <a:lumMod val="85000"/>
+              </a:schemeClr>
+            </a:solidFill>
+          </a:ln>
+        </p:spPr>
+      </p:pic>
+      <p:sp>
+        <p:nvSpPr>
+          <p:cNvPr id="6" name="TextBox 5"/>
+          <p:cNvSpPr txBox="1"/>
+          <p:nvPr/>
+        </p:nvSpPr>
+        <p:spPr>
+          <a:xfrm>
+            <a:off x="6675098" y="1628800"/>
+            <a:ext cx="2088232" cy="369332"/>
+          </a:xfrm>
+          <a:prstGeom prst="rect">
+            <a:avLst/>
+          </a:prstGeom>
+          <a:noFill/>
+        </p:spPr>
+        <p:txBody>
+          <a:bodyPr wrap="square" rtlCol="0">
+            <a:spAutoFit/>
+          </a:bodyPr>
+          <a:lstStyle/>
+          <a:p>
+            <a:r>
+              <a:rPr lang="ko-KR" altLang="en-US" dirty="0"/>
+              <a:t> </a:t>
+            </a:r>
+            <a:r>
+              <a:rPr lang="en-US" altLang="ko-KR" dirty="0" err="1" smtClean="0"/>
+              <a:t>memberList.jsp</a:t>
+            </a:r>
+            <a:endParaRPr lang="en-US" altLang="ko-KR" sz="1600" dirty="0" smtClean="0"/>
+          </a:p>
+        </p:txBody>
+      </p:sp>
+    </p:spTree>
+    <p:extLst>
+      <p:ext uri="{BB962C8B-B14F-4D97-AF65-F5344CB8AC3E}">
+        <p14:creationId xmlns:p14="http://schemas.microsoft.com/office/powerpoint/2010/main" val="1869500057"/>
+      </p:ext>
+    </p:extLst>
+  </p:cSld>
+  <p:clrMapOvr>
+    <a:masterClrMapping/>
+  </p:clrMapOvr>
+  <p:timing>
+    <p:tnLst>
+      <p:par>
+        <p:cTn id="1" dur="indefinite" restart="never" nodeType="tmRoot"/>
+      </p:par>
+    </p:tnLst>
+  </p:timing>
+</p:sld>
+</file>
+
+<file path=ppt/slides/slide51.xml><?xml version="1.0" encoding="utf-8"?>
+<p:sld xmlns:a="http://schemas.openxmlformats.org/drawingml/2006/main" xmlns:r="http://schemas.openxmlformats.org/officeDocument/2006/relationships" xmlns:p="http://schemas.openxmlformats.org/presentationml/2006/main">
+  <p:cSld>
+    <p:spTree>
+      <p:nvGrpSpPr>
+        <p:cNvPr id="1" name=""/>
+        <p:cNvGrpSpPr/>
+        <p:nvPr/>
+      </p:nvGrpSpPr>
+      <p:grpSpPr>
+        <a:xfrm>
+          <a:off x="0" y="0"/>
+          <a:ext cx="0" cy="0"/>
+          <a:chOff x="0" y="0"/>
+          <a:chExt cx="0" cy="0"/>
+        </a:xfrm>
+      </p:grpSpPr>
+      <p:sp>
+        <p:nvSpPr>
+          <p:cNvPr id="15" name="제목 5"/>
+          <p:cNvSpPr txBox="1">
+            <a:spLocks/>
+          </p:cNvSpPr>
+          <p:nvPr/>
+        </p:nvSpPr>
+        <p:spPr>
+          <a:xfrm>
+            <a:off x="1" y="-18256"/>
+            <a:ext cx="5079014" cy="854968"/>
+          </a:xfrm>
+          <a:prstGeom prst="rect">
+            <a:avLst/>
+          </a:prstGeom>
+        </p:spPr>
+        <p:txBody>
+          <a:bodyPr anchor="ctr" anchorCtr="0"/>
+          <a:lstStyle>
+            <a:lvl1pPr algn="l" defTabSz="914400" rtl="0" eaLnBrk="1" latinLnBrk="1" hangingPunct="1">
+              <a:spcBef>
+                <a:spcPct val="0"/>
+              </a:spcBef>
+              <a:buNone/>
+              <a:defRPr sz="3200" kern="1200">
+                <a:solidFill>
+                  <a:schemeClr val="bg1"/>
+                </a:solidFill>
+                <a:latin typeface="HY헤드라인M" panose="02030600000101010101" pitchFamily="18" charset="-127"/>
+                <a:ea typeface="HY헤드라인M" panose="02030600000101010101" pitchFamily="18" charset="-127"/>
+                <a:cs typeface="+mj-cs"/>
+              </a:defRPr>
+            </a:lvl1pPr>
+          </a:lstStyle>
+          <a:p>
+            <a:r>
+              <a:rPr lang="en-US" altLang="ko-KR" dirty="0" smtClean="0"/>
+              <a:t> </a:t>
+            </a:r>
+            <a:endParaRPr lang="ko-KR" altLang="en-US" dirty="0"/>
+          </a:p>
+        </p:txBody>
+      </p:sp>
+      <p:sp>
+        <p:nvSpPr>
+          <p:cNvPr id="11" name="제목 5"/>
+          <p:cNvSpPr txBox="1">
+            <a:spLocks/>
+          </p:cNvSpPr>
+          <p:nvPr/>
+        </p:nvSpPr>
+        <p:spPr>
+          <a:xfrm>
+            <a:off x="152400" y="44624"/>
+            <a:ext cx="5304656" cy="854968"/>
+          </a:xfrm>
+          <a:prstGeom prst="rect">
+            <a:avLst/>
+          </a:prstGeom>
+        </p:spPr>
+        <p:txBody>
+          <a:bodyPr anchor="ctr" anchorCtr="0"/>
+          <a:lstStyle>
+            <a:lvl1pPr algn="l" defTabSz="914400" rtl="0" eaLnBrk="1" latinLnBrk="1" hangingPunct="1">
+              <a:spcBef>
+                <a:spcPct val="0"/>
+              </a:spcBef>
+              <a:buNone/>
+              <a:defRPr sz="3200" kern="1200">
+                <a:solidFill>
+                  <a:schemeClr val="bg1"/>
+                </a:solidFill>
+                <a:latin typeface="HY헤드라인M" panose="02030600000101010101" pitchFamily="18" charset="-127"/>
+                <a:ea typeface="HY헤드라인M" panose="02030600000101010101" pitchFamily="18" charset="-127"/>
+                <a:cs typeface="+mj-cs"/>
+              </a:defRPr>
+            </a:lvl1pPr>
+          </a:lstStyle>
+          <a:p>
+            <a:r>
+              <a:rPr lang="en-US" altLang="ko-KR" dirty="0" smtClean="0"/>
+              <a:t> </a:t>
+            </a:r>
+            <a:r>
+              <a:rPr lang="ko-KR" altLang="en-US" b="1" dirty="0" smtClean="0">
+                <a:latin typeface="휴먼엑스포" panose="02030504000101010101" pitchFamily="18" charset="-127"/>
+                <a:ea typeface="휴먼엑스포" panose="02030504000101010101" pitchFamily="18" charset="-127"/>
+              </a:rPr>
+              <a:t>관리자 페이지 </a:t>
+            </a:r>
+            <a:r>
+              <a:rPr lang="en-US" altLang="ko-KR" b="1" dirty="0" smtClean="0">
+                <a:latin typeface="휴먼엑스포" panose="02030504000101010101" pitchFamily="18" charset="-127"/>
+                <a:ea typeface="휴먼엑스포" panose="02030504000101010101" pitchFamily="18" charset="-127"/>
+              </a:rPr>
+              <a:t>– </a:t>
+            </a:r>
+            <a:r>
+              <a:rPr lang="ko-KR" altLang="en-US" b="1" dirty="0" smtClean="0">
+                <a:latin typeface="휴먼엑스포" panose="02030504000101010101" pitchFamily="18" charset="-127"/>
+                <a:ea typeface="휴먼엑스포" panose="02030504000101010101" pitchFamily="18" charset="-127"/>
+              </a:rPr>
+              <a:t>회원 삭제</a:t>
+            </a:r>
+            <a:endParaRPr lang="ko-KR" altLang="en-US" dirty="0"/>
+          </a:p>
+        </p:txBody>
+      </p:sp>
+      <p:pic>
+        <p:nvPicPr>
+          <p:cNvPr id="3" name="그림 2"/>
+          <p:cNvPicPr>
+            <a:picLocks noChangeAspect="1"/>
+          </p:cNvPicPr>
+          <p:nvPr/>
+        </p:nvPicPr>
+        <p:blipFill>
+          <a:blip r:embed="rId2">
+            <a:extLst>
+              <a:ext uri="{28A0092B-C50C-407E-A947-70E740481C1C}">
+                <a14:useLocalDpi xmlns:a14="http://schemas.microsoft.com/office/drawing/2010/main" val="0"/>
+              </a:ext>
+            </a:extLst>
+          </a:blip>
+          <a:stretch>
+            <a:fillRect/>
+          </a:stretch>
+        </p:blipFill>
+        <p:spPr>
+          <a:xfrm>
+            <a:off x="1512546" y="1916832"/>
+            <a:ext cx="7132938" cy="3558848"/>
+          </a:xfrm>
+          <a:prstGeom prst="rect">
+            <a:avLst/>
+          </a:prstGeom>
+          <a:ln>
+            <a:solidFill>
+              <a:schemeClr val="bg1">
+                <a:lumMod val="85000"/>
+              </a:schemeClr>
+            </a:solidFill>
+          </a:ln>
+        </p:spPr>
+      </p:pic>
+      <p:sp>
+        <p:nvSpPr>
+          <p:cNvPr id="6" name="TextBox 5"/>
+          <p:cNvSpPr txBox="1"/>
+          <p:nvPr/>
+        </p:nvSpPr>
+        <p:spPr>
+          <a:xfrm>
+            <a:off x="6465168" y="1331558"/>
+            <a:ext cx="2088232" cy="369332"/>
+          </a:xfrm>
+          <a:prstGeom prst="rect">
+            <a:avLst/>
+          </a:prstGeom>
+          <a:noFill/>
+        </p:spPr>
+        <p:txBody>
+          <a:bodyPr wrap="square" rtlCol="0">
+            <a:spAutoFit/>
+          </a:bodyPr>
+          <a:lstStyle/>
+          <a:p>
+            <a:r>
+              <a:rPr lang="ko-KR" altLang="en-US" dirty="0"/>
+              <a:t> </a:t>
+            </a:r>
+            <a:r>
+              <a:rPr lang="en-US" altLang="ko-KR" dirty="0" smtClean="0"/>
+              <a:t>memberDAO.java</a:t>
+            </a:r>
+            <a:endParaRPr lang="en-US" altLang="ko-KR" sz="1600" dirty="0" smtClean="0"/>
+          </a:p>
+        </p:txBody>
+      </p:sp>
+    </p:spTree>
+    <p:extLst>
+      <p:ext uri="{BB962C8B-B14F-4D97-AF65-F5344CB8AC3E}">
+        <p14:creationId xmlns:p14="http://schemas.microsoft.com/office/powerpoint/2010/main" val="3342091648"/>
+      </p:ext>
+    </p:extLst>
+  </p:cSld>
+  <p:clrMapOvr>
+    <a:masterClrMapping/>
+  </p:clrMapOvr>
+  <p:timing>
+    <p:tnLst>
+      <p:par>
+        <p:cTn id="1" dur="indefinite" restart="never" nodeType="tmRoot"/>
+      </p:par>
+    </p:tnLst>
+  </p:timing>
+</p:sld>
+</file>
+
+<file path=ppt/slides/slide52.xml><?xml version="1.0" encoding="utf-8"?>
+<p:sld xmlns:a="http://schemas.openxmlformats.org/drawingml/2006/main" xmlns:r="http://schemas.openxmlformats.org/officeDocument/2006/relationships" xmlns:p="http://schemas.openxmlformats.org/presentationml/2006/main">
+  <p:cSld>
+    <p:spTree>
+      <p:nvGrpSpPr>
+        <p:cNvPr id="1" name=""/>
+        <p:cNvGrpSpPr/>
+        <p:nvPr/>
+      </p:nvGrpSpPr>
+      <p:grpSpPr>
+        <a:xfrm>
+          <a:off x="0" y="0"/>
+          <a:ext cx="0" cy="0"/>
+          <a:chOff x="0" y="0"/>
+          <a:chExt cx="0" cy="0"/>
+        </a:xfrm>
+      </p:grpSpPr>
+      <p:sp>
+        <p:nvSpPr>
+          <p:cNvPr id="15" name="제목 5"/>
+          <p:cNvSpPr txBox="1">
+            <a:spLocks/>
+          </p:cNvSpPr>
+          <p:nvPr/>
+        </p:nvSpPr>
+        <p:spPr>
+          <a:xfrm>
+            <a:off x="1" y="-18256"/>
+            <a:ext cx="5079014" cy="854968"/>
+          </a:xfrm>
+          <a:prstGeom prst="rect">
+            <a:avLst/>
+          </a:prstGeom>
+        </p:spPr>
+        <p:txBody>
+          <a:bodyPr anchor="ctr" anchorCtr="0"/>
+          <a:lstStyle>
+            <a:lvl1pPr algn="l" defTabSz="914400" rtl="0" eaLnBrk="1" latinLnBrk="1" hangingPunct="1">
+              <a:spcBef>
+                <a:spcPct val="0"/>
+              </a:spcBef>
+              <a:buNone/>
+              <a:defRPr sz="3200" kern="1200">
+                <a:solidFill>
+                  <a:schemeClr val="bg1"/>
+                </a:solidFill>
+                <a:latin typeface="HY헤드라인M" panose="02030600000101010101" pitchFamily="18" charset="-127"/>
+                <a:ea typeface="HY헤드라인M" panose="02030600000101010101" pitchFamily="18" charset="-127"/>
+                <a:cs typeface="+mj-cs"/>
+              </a:defRPr>
+            </a:lvl1pPr>
+          </a:lstStyle>
+          <a:p>
+            <a:r>
+              <a:rPr lang="en-US" altLang="ko-KR" dirty="0" smtClean="0"/>
+              <a:t> </a:t>
+            </a:r>
+            <a:endParaRPr lang="ko-KR" altLang="en-US" dirty="0"/>
+          </a:p>
+        </p:txBody>
+      </p:sp>
+      <p:sp>
+        <p:nvSpPr>
+          <p:cNvPr id="11" name="제목 5"/>
+          <p:cNvSpPr txBox="1">
+            <a:spLocks/>
+          </p:cNvSpPr>
+          <p:nvPr/>
+        </p:nvSpPr>
+        <p:spPr>
+          <a:xfrm>
+            <a:off x="152400" y="44624"/>
+            <a:ext cx="5304656" cy="854968"/>
+          </a:xfrm>
+          <a:prstGeom prst="rect">
+            <a:avLst/>
+          </a:prstGeom>
+        </p:spPr>
+        <p:txBody>
+          <a:bodyPr anchor="ctr" anchorCtr="0"/>
+          <a:lstStyle>
+            <a:lvl1pPr algn="l" defTabSz="914400" rtl="0" eaLnBrk="1" latinLnBrk="1" hangingPunct="1">
+              <a:spcBef>
+                <a:spcPct val="0"/>
+              </a:spcBef>
+              <a:buNone/>
+              <a:defRPr sz="3200" kern="1200">
+                <a:solidFill>
+                  <a:schemeClr val="bg1"/>
+                </a:solidFill>
+                <a:latin typeface="HY헤드라인M" panose="02030600000101010101" pitchFamily="18" charset="-127"/>
+                <a:ea typeface="HY헤드라인M" panose="02030600000101010101" pitchFamily="18" charset="-127"/>
+                <a:cs typeface="+mj-cs"/>
+              </a:defRPr>
+            </a:lvl1pPr>
+          </a:lstStyle>
+          <a:p>
+            <a:r>
+              <a:rPr lang="en-US" altLang="ko-KR" dirty="0" smtClean="0"/>
+              <a:t> </a:t>
+            </a:r>
+            <a:r>
+              <a:rPr lang="ko-KR" altLang="en-US" b="1" dirty="0" smtClean="0">
+                <a:latin typeface="휴먼엑스포" panose="02030504000101010101" pitchFamily="18" charset="-127"/>
+                <a:ea typeface="휴먼엑스포" panose="02030504000101010101" pitchFamily="18" charset="-127"/>
+              </a:rPr>
+              <a:t>관리자 페이지 </a:t>
+            </a:r>
+            <a:r>
+              <a:rPr lang="en-US" altLang="ko-KR" b="1" dirty="0" smtClean="0">
+                <a:latin typeface="휴먼엑스포" panose="02030504000101010101" pitchFamily="18" charset="-127"/>
+                <a:ea typeface="휴먼엑스포" panose="02030504000101010101" pitchFamily="18" charset="-127"/>
+              </a:rPr>
+              <a:t>– </a:t>
+            </a:r>
+            <a:r>
+              <a:rPr lang="ko-KR" altLang="en-US" b="1" dirty="0" smtClean="0">
+                <a:latin typeface="휴먼엑스포" panose="02030504000101010101" pitchFamily="18" charset="-127"/>
+                <a:ea typeface="휴먼엑스포" panose="02030504000101010101" pitchFamily="18" charset="-127"/>
+              </a:rPr>
+              <a:t>회원 삭제</a:t>
+            </a:r>
+            <a:endParaRPr lang="ko-KR" altLang="en-US" dirty="0"/>
+          </a:p>
+        </p:txBody>
+      </p:sp>
+      <p:sp>
+        <p:nvSpPr>
+          <p:cNvPr id="6" name="TextBox 5"/>
+          <p:cNvSpPr txBox="1"/>
+          <p:nvPr/>
+        </p:nvSpPr>
+        <p:spPr>
+          <a:xfrm>
+            <a:off x="6465168" y="1331558"/>
+            <a:ext cx="2304256" cy="369332"/>
+          </a:xfrm>
+          <a:prstGeom prst="rect">
+            <a:avLst/>
+          </a:prstGeom>
+          <a:noFill/>
+        </p:spPr>
+        <p:txBody>
+          <a:bodyPr wrap="square" rtlCol="0">
+            <a:spAutoFit/>
+          </a:bodyPr>
+          <a:lstStyle/>
+          <a:p>
+            <a:r>
+              <a:rPr lang="ko-KR" altLang="en-US" dirty="0"/>
+              <a:t> </a:t>
+            </a:r>
+            <a:r>
+              <a:rPr lang="en-US" altLang="ko-KR" dirty="0" smtClean="0"/>
+              <a:t>MainController</a:t>
+            </a:r>
+            <a:r>
+              <a:rPr lang="en-US" altLang="ko-KR" dirty="0" smtClean="0"/>
+              <a:t>.java</a:t>
+            </a:r>
+            <a:endParaRPr lang="en-US" altLang="ko-KR" sz="1600" dirty="0" smtClean="0"/>
+          </a:p>
+        </p:txBody>
+      </p:sp>
+      <p:pic>
+        <p:nvPicPr>
+          <p:cNvPr id="2" name="그림 1"/>
+          <p:cNvPicPr>
+            <a:picLocks noChangeAspect="1"/>
+          </p:cNvPicPr>
+          <p:nvPr/>
+        </p:nvPicPr>
+        <p:blipFill>
+          <a:blip r:embed="rId2">
+            <a:extLst>
+              <a:ext uri="{28A0092B-C50C-407E-A947-70E740481C1C}">
+                <a14:useLocalDpi xmlns:a14="http://schemas.microsoft.com/office/drawing/2010/main" val="0"/>
+              </a:ext>
+            </a:extLst>
+          </a:blip>
+          <a:stretch>
+            <a:fillRect/>
+          </a:stretch>
+        </p:blipFill>
+        <p:spPr>
+          <a:xfrm>
+            <a:off x="1529115" y="1916832"/>
+            <a:ext cx="7099799" cy="1872208"/>
+          </a:xfrm>
+          <a:prstGeom prst="rect">
+            <a:avLst/>
+          </a:prstGeom>
+          <a:ln>
+            <a:solidFill>
+              <a:schemeClr val="bg1">
+                <a:lumMod val="85000"/>
+              </a:schemeClr>
+            </a:solidFill>
+          </a:ln>
+        </p:spPr>
+      </p:pic>
+    </p:spTree>
+    <p:extLst>
+      <p:ext uri="{BB962C8B-B14F-4D97-AF65-F5344CB8AC3E}">
+        <p14:creationId xmlns:p14="http://schemas.microsoft.com/office/powerpoint/2010/main" val="3691232083"/>
+      </p:ext>
+    </p:extLst>
+  </p:cSld>
+  <p:clrMapOvr>
+    <a:masterClrMapping/>
+  </p:clrMapOvr>
+  <p:timing>
+    <p:tnLst>
+      <p:par>
+        <p:cTn id="1" dur="indefinite" restart="never" nodeType="tmRoot"/>
+      </p:par>
+    </p:tnLst>
+  </p:timing>
+</p:sld>
+</file>
+
+<file path=ppt/slides/slide53.xml><?xml version="1.0" encoding="utf-8"?>
+<p:sld xmlns:a="http://schemas.openxmlformats.org/drawingml/2006/main" xmlns:r="http://schemas.openxmlformats.org/officeDocument/2006/relationships" xmlns:p="http://schemas.openxmlformats.org/presentationml/2006/main">
+  <p:cSld>
+    <p:spTree>
+      <p:nvGrpSpPr>
+        <p:cNvPr id="1" name=""/>
+        <p:cNvGrpSpPr/>
+        <p:nvPr/>
+      </p:nvGrpSpPr>
+      <p:grpSpPr>
+        <a:xfrm>
+          <a:off x="0" y="0"/>
+          <a:ext cx="0" cy="0"/>
+          <a:chOff x="0" y="0"/>
+          <a:chExt cx="0" cy="0"/>
+        </a:xfrm>
+      </p:grpSpPr>
+      <p:sp>
+        <p:nvSpPr>
+          <p:cNvPr id="15" name="제목 5"/>
+          <p:cNvSpPr txBox="1">
+            <a:spLocks/>
+          </p:cNvSpPr>
+          <p:nvPr/>
+        </p:nvSpPr>
+        <p:spPr>
+          <a:xfrm>
+            <a:off x="1" y="-18256"/>
+            <a:ext cx="5079014" cy="854968"/>
+          </a:xfrm>
+          <a:prstGeom prst="rect">
+            <a:avLst/>
+          </a:prstGeom>
+        </p:spPr>
+        <p:txBody>
+          <a:bodyPr anchor="ctr" anchorCtr="0"/>
+          <a:lstStyle>
+            <a:lvl1pPr algn="l" defTabSz="914400" rtl="0" eaLnBrk="1" latinLnBrk="1" hangingPunct="1">
+              <a:spcBef>
+                <a:spcPct val="0"/>
+              </a:spcBef>
+              <a:buNone/>
+              <a:defRPr sz="3200" kern="1200">
+                <a:solidFill>
+                  <a:schemeClr val="bg1"/>
+                </a:solidFill>
+                <a:latin typeface="HY헤드라인M" panose="02030600000101010101" pitchFamily="18" charset="-127"/>
+                <a:ea typeface="HY헤드라인M" panose="02030600000101010101" pitchFamily="18" charset="-127"/>
+                <a:cs typeface="+mj-cs"/>
+              </a:defRPr>
+            </a:lvl1pPr>
+          </a:lstStyle>
+          <a:p>
+            <a:r>
+              <a:rPr lang="en-US" altLang="ko-KR" dirty="0" smtClean="0"/>
+              <a:t> </a:t>
+            </a:r>
+            <a:endParaRPr lang="ko-KR" altLang="en-US" dirty="0"/>
+          </a:p>
+        </p:txBody>
+      </p:sp>
+      <p:sp>
+        <p:nvSpPr>
+          <p:cNvPr id="11" name="제목 5"/>
+          <p:cNvSpPr txBox="1">
+            <a:spLocks/>
+          </p:cNvSpPr>
+          <p:nvPr/>
+        </p:nvSpPr>
+        <p:spPr>
+          <a:xfrm>
+            <a:off x="152400" y="44624"/>
+            <a:ext cx="6456784" cy="854968"/>
+          </a:xfrm>
+          <a:prstGeom prst="rect">
+            <a:avLst/>
+          </a:prstGeom>
+        </p:spPr>
+        <p:txBody>
+          <a:bodyPr anchor="ctr" anchorCtr="0"/>
+          <a:lstStyle>
+            <a:lvl1pPr algn="l" defTabSz="914400" rtl="0" eaLnBrk="1" latinLnBrk="1" hangingPunct="1">
+              <a:spcBef>
+                <a:spcPct val="0"/>
+              </a:spcBef>
+              <a:buNone/>
+              <a:defRPr sz="3200" kern="1200">
+                <a:solidFill>
+                  <a:schemeClr val="bg1"/>
+                </a:solidFill>
+                <a:latin typeface="HY헤드라인M" panose="02030600000101010101" pitchFamily="18" charset="-127"/>
+                <a:ea typeface="HY헤드라인M" panose="02030600000101010101" pitchFamily="18" charset="-127"/>
+                <a:cs typeface="+mj-cs"/>
+              </a:defRPr>
+            </a:lvl1pPr>
+          </a:lstStyle>
+          <a:p>
+            <a:r>
+              <a:rPr lang="en-US" altLang="ko-KR" dirty="0" smtClean="0"/>
+              <a:t> </a:t>
+            </a:r>
+            <a:r>
+              <a:rPr lang="ko-KR" altLang="en-US" b="1" dirty="0" smtClean="0">
+                <a:latin typeface="휴먼엑스포" panose="02030504000101010101" pitchFamily="18" charset="-127"/>
+                <a:ea typeface="휴먼엑스포" panose="02030504000101010101" pitchFamily="18" charset="-127"/>
+              </a:rPr>
+              <a:t>나의 정보 </a:t>
+            </a:r>
+            <a:r>
+              <a:rPr lang="en-US" altLang="ko-KR" b="1" dirty="0" smtClean="0">
+                <a:latin typeface="휴먼엑스포" panose="02030504000101010101" pitchFamily="18" charset="-127"/>
+                <a:ea typeface="휴먼엑스포" panose="02030504000101010101" pitchFamily="18" charset="-127"/>
+              </a:rPr>
+              <a:t>– </a:t>
+            </a:r>
+            <a:r>
+              <a:rPr lang="ko-KR" altLang="en-US" b="1" dirty="0" smtClean="0">
+                <a:latin typeface="휴먼엑스포" panose="02030504000101010101" pitchFamily="18" charset="-127"/>
+                <a:ea typeface="휴먼엑스포" panose="02030504000101010101" pitchFamily="18" charset="-127"/>
+              </a:rPr>
+              <a:t>일반 회원 로그인 </a:t>
+            </a:r>
+            <a:endParaRPr lang="ko-KR" altLang="en-US" dirty="0"/>
+          </a:p>
+        </p:txBody>
+      </p:sp>
+      <p:pic>
+        <p:nvPicPr>
+          <p:cNvPr id="3" name="그림 2"/>
+          <p:cNvPicPr>
+            <a:picLocks noChangeAspect="1"/>
+          </p:cNvPicPr>
+          <p:nvPr/>
+        </p:nvPicPr>
+        <p:blipFill>
+          <a:blip r:embed="rId2">
+            <a:extLst>
+              <a:ext uri="{28A0092B-C50C-407E-A947-70E740481C1C}">
+                <a14:useLocalDpi xmlns:a14="http://schemas.microsoft.com/office/drawing/2010/main" val="0"/>
+              </a:ext>
+            </a:extLst>
+          </a:blip>
+          <a:stretch>
+            <a:fillRect/>
+          </a:stretch>
+        </p:blipFill>
+        <p:spPr>
+          <a:xfrm>
+            <a:off x="1640632" y="1340768"/>
+            <a:ext cx="6352529" cy="4536504"/>
+          </a:xfrm>
+          <a:prstGeom prst="rect">
+            <a:avLst/>
+          </a:prstGeom>
+          <a:ln>
+            <a:solidFill>
+              <a:schemeClr val="bg1">
+                <a:lumMod val="85000"/>
+              </a:schemeClr>
+            </a:solidFill>
+          </a:ln>
+        </p:spPr>
+      </p:pic>
+    </p:spTree>
+    <p:extLst>
+      <p:ext uri="{BB962C8B-B14F-4D97-AF65-F5344CB8AC3E}">
+        <p14:creationId xmlns:p14="http://schemas.microsoft.com/office/powerpoint/2010/main" val="4118784524"/>
+      </p:ext>
+    </p:extLst>
+  </p:cSld>
+  <p:clrMapOvr>
+    <a:masterClrMapping/>
+  </p:clrMapOvr>
+  <p:timing>
+    <p:tnLst>
+      <p:par>
+        <p:cTn id="1" dur="indefinite" restart="never" nodeType="tmRoot"/>
+      </p:par>
+    </p:tnLst>
+  </p:timing>
+</p:sld>
+</file>
+
+<file path=ppt/slides/slide54.xml><?xml version="1.0" encoding="utf-8"?>
+<p:sld xmlns:a="http://schemas.openxmlformats.org/drawingml/2006/main" xmlns:r="http://schemas.openxmlformats.org/officeDocument/2006/relationships" xmlns:p="http://schemas.openxmlformats.org/presentationml/2006/main">
+  <p:cSld>
+    <p:spTree>
+      <p:nvGrpSpPr>
+        <p:cNvPr id="1" name=""/>
+        <p:cNvGrpSpPr/>
+        <p:nvPr/>
+      </p:nvGrpSpPr>
+      <p:grpSpPr>
+        <a:xfrm>
+          <a:off x="0" y="0"/>
+          <a:ext cx="0" cy="0"/>
+          <a:chOff x="0" y="0"/>
+          <a:chExt cx="0" cy="0"/>
+        </a:xfrm>
+      </p:grpSpPr>
+      <p:sp>
+        <p:nvSpPr>
+          <p:cNvPr id="15" name="제목 5"/>
+          <p:cNvSpPr txBox="1">
+            <a:spLocks/>
+          </p:cNvSpPr>
+          <p:nvPr/>
+        </p:nvSpPr>
+        <p:spPr>
+          <a:xfrm>
+            <a:off x="1" y="-18256"/>
+            <a:ext cx="5079014" cy="854968"/>
+          </a:xfrm>
+          <a:prstGeom prst="rect">
+            <a:avLst/>
+          </a:prstGeom>
+        </p:spPr>
+        <p:txBody>
+          <a:bodyPr anchor="ctr" anchorCtr="0"/>
+          <a:lstStyle>
+            <a:lvl1pPr algn="l" defTabSz="914400" rtl="0" eaLnBrk="1" latinLnBrk="1" hangingPunct="1">
+              <a:spcBef>
+                <a:spcPct val="0"/>
+              </a:spcBef>
+              <a:buNone/>
+              <a:defRPr sz="3200" kern="1200">
+                <a:solidFill>
+                  <a:schemeClr val="bg1"/>
+                </a:solidFill>
+                <a:latin typeface="HY헤드라인M" panose="02030600000101010101" pitchFamily="18" charset="-127"/>
+                <a:ea typeface="HY헤드라인M" panose="02030600000101010101" pitchFamily="18" charset="-127"/>
+                <a:cs typeface="+mj-cs"/>
+              </a:defRPr>
+            </a:lvl1pPr>
+          </a:lstStyle>
+          <a:p>
+            <a:r>
+              <a:rPr lang="en-US" altLang="ko-KR" dirty="0" smtClean="0"/>
+              <a:t> </a:t>
+            </a:r>
+            <a:endParaRPr lang="ko-KR" altLang="en-US" dirty="0"/>
+          </a:p>
+        </p:txBody>
+      </p:sp>
+      <p:sp>
+        <p:nvSpPr>
+          <p:cNvPr id="11" name="제목 5"/>
+          <p:cNvSpPr txBox="1">
+            <a:spLocks/>
+          </p:cNvSpPr>
+          <p:nvPr/>
+        </p:nvSpPr>
+        <p:spPr>
+          <a:xfrm>
+            <a:off x="152400" y="44624"/>
+            <a:ext cx="5304656" cy="854968"/>
+          </a:xfrm>
+          <a:prstGeom prst="rect">
+            <a:avLst/>
+          </a:prstGeom>
+        </p:spPr>
+        <p:txBody>
+          <a:bodyPr anchor="ctr" anchorCtr="0"/>
+          <a:lstStyle>
+            <a:lvl1pPr algn="l" defTabSz="914400" rtl="0" eaLnBrk="1" latinLnBrk="1" hangingPunct="1">
+              <a:spcBef>
+                <a:spcPct val="0"/>
+              </a:spcBef>
+              <a:buNone/>
+              <a:defRPr sz="3200" kern="1200">
+                <a:solidFill>
+                  <a:schemeClr val="bg1"/>
+                </a:solidFill>
+                <a:latin typeface="HY헤드라인M" panose="02030600000101010101" pitchFamily="18" charset="-127"/>
+                <a:ea typeface="HY헤드라인M" panose="02030600000101010101" pitchFamily="18" charset="-127"/>
+                <a:cs typeface="+mj-cs"/>
+              </a:defRPr>
+            </a:lvl1pPr>
+          </a:lstStyle>
+          <a:p>
+            <a:r>
+              <a:rPr lang="en-US" altLang="ko-KR" dirty="0" smtClean="0"/>
+              <a:t> </a:t>
+            </a:r>
+            <a:r>
+              <a:rPr lang="ko-KR" altLang="en-US" b="1" dirty="0" smtClean="0">
+                <a:latin typeface="휴먼엑스포" panose="02030504000101010101" pitchFamily="18" charset="-127"/>
+                <a:ea typeface="휴먼엑스포" panose="02030504000101010101" pitchFamily="18" charset="-127"/>
+              </a:rPr>
+              <a:t>나의 정보 </a:t>
+            </a:r>
+            <a:endParaRPr lang="ko-KR" altLang="en-US" dirty="0"/>
+          </a:p>
+        </p:txBody>
+      </p:sp>
+    </p:spTree>
+    <p:extLst>
+      <p:ext uri="{BB962C8B-B14F-4D97-AF65-F5344CB8AC3E}">
+        <p14:creationId xmlns:p14="http://schemas.microsoft.com/office/powerpoint/2010/main" val="4033888951"/>
       </p:ext>
     </p:extLst>
   </p:cSld>

--- a/jspWorks/자료/jsp_ppt/10-1장. Jsp - MVC를 이용한 회원관리.pptx
+++ b/jspWorks/자료/jsp_ppt/10-1장. Jsp - MVC를 이용한 회원관리.pptx
@@ -5,7 +5,7 @@
     <p:sldMasterId id="2147483648" r:id="rId1"/>
   </p:sldMasterIdLst>
   <p:notesMasterIdLst>
-    <p:notesMasterId r:id="rId56"/>
+    <p:notesMasterId r:id="rId59"/>
   </p:notesMasterIdLst>
   <p:sldIdLst>
     <p:sldId id="256" r:id="rId2"/>
@@ -62,6 +62,9 @@
     <p:sldId id="421" r:id="rId53"/>
     <p:sldId id="422" r:id="rId54"/>
     <p:sldId id="423" r:id="rId55"/>
+    <p:sldId id="424" r:id="rId56"/>
+    <p:sldId id="425" r:id="rId57"/>
+    <p:sldId id="426" r:id="rId58"/>
   </p:sldIdLst>
   <p:sldSz cx="9906000" cy="6858000" type="A4"/>
   <p:notesSz cx="6858000" cy="9144000"/>
@@ -261,7 +264,7 @@
           <a:p>
             <a:fld id="{7665CDAC-D627-4E87-877A-1B781DD4CADC}" type="datetimeFigureOut">
               <a:rPr lang="ko-KR" altLang="en-US" smtClean="0"/>
-              <a:t>2023-06-12</a:t>
+              <a:t>2023-06-14</a:t>
             </a:fld>
             <a:endParaRPr lang="ko-KR" altLang="en-US"/>
           </a:p>
@@ -799,7 +802,7 @@
           <a:p>
             <a:fld id="{F4AC81B4-D91A-4578-85B3-829E63FCFE17}" type="datetime1">
               <a:rPr lang="ko-KR" altLang="en-US" smtClean="0"/>
-              <a:t>2023-06-12</a:t>
+              <a:t>2023-06-14</a:t>
             </a:fld>
             <a:endParaRPr lang="ko-KR" altLang="en-US"/>
           </a:p>
@@ -1174,7 +1177,7 @@
           <a:p>
             <a:fld id="{F5B77542-37E5-48F2-BAE7-80CC6B0EB6A3}" type="datetime1">
               <a:rPr lang="ko-KR" altLang="en-US" smtClean="0"/>
-              <a:t>2023-06-12</a:t>
+              <a:t>2023-06-14</a:t>
             </a:fld>
             <a:endParaRPr lang="ko-KR" altLang="en-US"/>
           </a:p>
@@ -1354,7 +1357,7 @@
           <a:p>
             <a:fld id="{227CF174-B5AC-4A98-B673-0BE8126D3F27}" type="datetime1">
               <a:rPr lang="ko-KR" altLang="en-US" smtClean="0"/>
-              <a:t>2023-06-12</a:t>
+              <a:t>2023-06-14</a:t>
             </a:fld>
             <a:endParaRPr lang="ko-KR" altLang="en-US"/>
           </a:p>
@@ -1528,7 +1531,7 @@
           <a:p>
             <a:fld id="{E20FDEC8-1339-42E8-9704-2977280C2FD3}" type="datetime1">
               <a:rPr lang="ko-KR" altLang="en-US" smtClean="0"/>
-              <a:t>2023-06-12</a:t>
+              <a:t>2023-06-14</a:t>
             </a:fld>
             <a:endParaRPr lang="ko-KR" altLang="en-US"/>
           </a:p>
@@ -1774,7 +1777,7 @@
           <a:p>
             <a:fld id="{4D18DC76-A282-4817-B790-197F054E1215}" type="datetime1">
               <a:rPr lang="ko-KR" altLang="en-US" smtClean="0"/>
-              <a:t>2023-06-12</a:t>
+              <a:t>2023-06-14</a:t>
             </a:fld>
             <a:endParaRPr lang="ko-KR" altLang="en-US"/>
           </a:p>
@@ -2062,7 +2065,7 @@
           <a:p>
             <a:fld id="{6680AA6C-13D8-43E4-90F0-E6C88A2B9F16}" type="datetime1">
               <a:rPr lang="ko-KR" altLang="en-US" smtClean="0"/>
-              <a:t>2023-06-12</a:t>
+              <a:t>2023-06-14</a:t>
             </a:fld>
             <a:endParaRPr lang="ko-KR" altLang="en-US"/>
           </a:p>
@@ -2484,7 +2487,7 @@
           <a:p>
             <a:fld id="{3EF5B03B-20CC-436E-8601-C933C6C1F4A6}" type="datetime1">
               <a:rPr lang="ko-KR" altLang="en-US" smtClean="0"/>
-              <a:t>2023-06-12</a:t>
+              <a:t>2023-06-14</a:t>
             </a:fld>
             <a:endParaRPr lang="ko-KR" altLang="en-US"/>
           </a:p>
@@ -2602,7 +2605,7 @@
           <a:p>
             <a:fld id="{87B5A15D-8B08-482F-AB47-E416EC355EB6}" type="datetime1">
               <a:rPr lang="ko-KR" altLang="en-US" smtClean="0"/>
-              <a:t>2023-06-12</a:t>
+              <a:t>2023-06-14</a:t>
             </a:fld>
             <a:endParaRPr lang="ko-KR" altLang="en-US"/>
           </a:p>
@@ -2697,7 +2700,7 @@
           <a:p>
             <a:fld id="{A877D7F8-7B64-44F8-A411-CBD22F28CBFF}" type="datetime1">
               <a:rPr lang="ko-KR" altLang="en-US" smtClean="0"/>
-              <a:t>2023-06-12</a:t>
+              <a:t>2023-06-14</a:t>
             </a:fld>
             <a:endParaRPr lang="ko-KR" altLang="en-US"/>
           </a:p>
@@ -2974,7 +2977,7 @@
           <a:p>
             <a:fld id="{E12DBD9B-2BB6-4D1F-BCB4-1E48829C93C3}" type="datetime1">
               <a:rPr lang="ko-KR" altLang="en-US" smtClean="0"/>
-              <a:t>2023-06-12</a:t>
+              <a:t>2023-06-14</a:t>
             </a:fld>
             <a:endParaRPr lang="ko-KR" altLang="en-US"/>
           </a:p>
@@ -3227,7 +3230,7 @@
           <a:p>
             <a:fld id="{17564C48-0CD7-40EB-BE64-BBF4DB8C56AF}" type="datetime1">
               <a:rPr lang="ko-KR" altLang="en-US" smtClean="0"/>
-              <a:t>2023-06-12</a:t>
+              <a:t>2023-06-14</a:t>
             </a:fld>
             <a:endParaRPr lang="ko-KR" altLang="en-US"/>
           </a:p>
@@ -3407,7 +3410,7 @@
           <a:p>
             <a:fld id="{C116BCB4-B68B-4638-8167-F4BDC0A30DA1}" type="datetime1">
               <a:rPr lang="ko-KR" altLang="en-US" smtClean="0"/>
-              <a:t>2023-06-12</a:t>
+              <a:t>2023-06-14</a:t>
             </a:fld>
             <a:endParaRPr lang="ko-KR" altLang="en-US"/>
           </a:p>
@@ -12961,11 +12964,7 @@
           <a:p>
             <a:r>
               <a:rPr lang="en-US" altLang="ko-KR" dirty="0" smtClean="0"/>
-              <a:t>web</a:t>
-            </a:r>
-            <a:r>
-              <a:rPr lang="en-US" altLang="ko-KR" dirty="0" smtClean="0"/>
-              <a:t>.xml</a:t>
+              <a:t>web.xml</a:t>
             </a:r>
             <a:endParaRPr lang="en-US" altLang="ko-KR" sz="1600" dirty="0" smtClean="0"/>
           </a:p>
@@ -13581,11 +13580,7 @@
             </a:r>
             <a:r>
               <a:rPr lang="en-US" altLang="ko-KR" dirty="0" err="1" smtClean="0"/>
-              <a:t>loginFailed</a:t>
-            </a:r>
-            <a:r>
-              <a:rPr lang="en-US" altLang="ko-KR" dirty="0" err="1" smtClean="0"/>
-              <a:t>.jsp</a:t>
+              <a:t>loginFailed.jsp</a:t>
             </a:r>
             <a:endParaRPr lang="en-US" altLang="ko-KR" sz="1600" dirty="0" smtClean="0"/>
           </a:p>
@@ -14630,11 +14625,7 @@
             </a:r>
             <a:r>
               <a:rPr lang="en-US" altLang="ko-KR" dirty="0" smtClean="0"/>
-              <a:t>MainController</a:t>
-            </a:r>
-            <a:r>
-              <a:rPr lang="en-US" altLang="ko-KR" dirty="0" smtClean="0"/>
-              <a:t>.java</a:t>
+              <a:t>MainController.java</a:t>
             </a:r>
             <a:endParaRPr lang="en-US" altLang="ko-KR" sz="1600" dirty="0" smtClean="0"/>
           </a:p>
@@ -14799,25 +14790,16 @@
               <a:t> </a:t>
             </a:r>
             <a:r>
-              <a:rPr lang="ko-KR" altLang="en-US" b="1" dirty="0" smtClean="0">
-                <a:latin typeface="휴먼엑스포" panose="02030504000101010101" pitchFamily="18" charset="-127"/>
-                <a:ea typeface="휴먼엑스포" panose="02030504000101010101" pitchFamily="18" charset="-127"/>
-              </a:rPr>
-              <a:t>나의 정보 </a:t>
-            </a:r>
-            <a:r>
-              <a:rPr lang="en-US" altLang="ko-KR" b="1" dirty="0" smtClean="0">
-                <a:latin typeface="휴먼엑스포" panose="02030504000101010101" pitchFamily="18" charset="-127"/>
-                <a:ea typeface="휴먼엑스포" panose="02030504000101010101" pitchFamily="18" charset="-127"/>
-              </a:rPr>
+              <a:rPr lang="ko-KR" altLang="en-US" dirty="0"/>
+              <a:t>실습 문제 </a:t>
+            </a:r>
+            <a:r>
+              <a:rPr lang="en-US" altLang="ko-KR" dirty="0"/>
               <a:t>– </a:t>
             </a:r>
             <a:r>
-              <a:rPr lang="ko-KR" altLang="en-US" b="1" dirty="0" smtClean="0">
-                <a:latin typeface="휴먼엑스포" panose="02030504000101010101" pitchFamily="18" charset="-127"/>
-                <a:ea typeface="휴먼엑스포" panose="02030504000101010101" pitchFamily="18" charset="-127"/>
-              </a:rPr>
-              <a:t>일반 회원 로그인 </a:t>
+              <a:rPr lang="ko-KR" altLang="en-US" dirty="0" smtClean="0"/>
+              <a:t>나의 정보 메뉴 생성</a:t>
             </a:r>
             <a:endParaRPr lang="ko-KR" altLang="en-US" dirty="0"/>
           </a:p>
@@ -14952,7 +14934,7 @@
         <p:spPr>
           <a:xfrm>
             <a:off x="152400" y="44624"/>
-            <a:ext cx="5304656" cy="854968"/>
+            <a:ext cx="6528792" cy="854968"/>
           </a:xfrm>
           <a:prstGeom prst="rect">
             <a:avLst/>
@@ -14982,11 +14964,73 @@
               <a:t> </a:t>
             </a:r>
             <a:r>
-              <a:rPr lang="ko-KR" altLang="en-US" b="1" dirty="0" smtClean="0">
-                <a:latin typeface="휴먼엑스포" panose="02030504000101010101" pitchFamily="18" charset="-127"/>
-                <a:ea typeface="휴먼엑스포" panose="02030504000101010101" pitchFamily="18" charset="-127"/>
-              </a:rPr>
-              <a:t>나의 정보 </a:t>
+              <a:rPr lang="ko-KR" altLang="en-US" dirty="0"/>
+              <a:t>실습 문제 </a:t>
+            </a:r>
+            <a:r>
+              <a:rPr lang="en-US" altLang="ko-KR" dirty="0"/>
+              <a:t>– </a:t>
+            </a:r>
+            <a:r>
+              <a:rPr lang="ko-KR" altLang="en-US" dirty="0"/>
+              <a:t>나의 정보 메뉴 생성</a:t>
+            </a:r>
+          </a:p>
+        </p:txBody>
+      </p:sp>
+      <p:sp>
+        <p:nvSpPr>
+          <p:cNvPr id="4" name="TextBox 3"/>
+          <p:cNvSpPr txBox="1"/>
+          <p:nvPr/>
+        </p:nvSpPr>
+        <p:spPr>
+          <a:xfrm>
+            <a:off x="704528" y="1340768"/>
+            <a:ext cx="8280920" cy="369332"/>
+          </a:xfrm>
+          <a:prstGeom prst="rect">
+            <a:avLst/>
+          </a:prstGeom>
+          <a:noFill/>
+        </p:spPr>
+        <p:txBody>
+          <a:bodyPr wrap="square" rtlCol="0">
+            <a:spAutoFit/>
+          </a:bodyPr>
+          <a:lstStyle/>
+          <a:p>
+            <a:pPr marL="285750" indent="-285750">
+              <a:buFont typeface="Wingdings" panose="05000000000000000000" pitchFamily="2" charset="2"/>
+              <a:buChar char="§"/>
+            </a:pPr>
+            <a:r>
+              <a:rPr lang="ko-KR" altLang="en-US" dirty="0" smtClean="0"/>
+              <a:t>회원 로그인후 </a:t>
+            </a:r>
+            <a:r>
+              <a:rPr lang="en-US" altLang="ko-KR" dirty="0" smtClean="0"/>
+              <a:t>[</a:t>
+            </a:r>
+            <a:r>
+              <a:rPr lang="ko-KR" altLang="en-US" dirty="0" smtClean="0"/>
+              <a:t>나의 정보</a:t>
+            </a:r>
+            <a:r>
+              <a:rPr lang="en-US" altLang="ko-KR" dirty="0" smtClean="0"/>
+              <a:t>]</a:t>
+            </a:r>
+            <a:r>
+              <a:rPr lang="ko-KR" altLang="en-US" dirty="0" smtClean="0"/>
+              <a:t> 메뉴를 만들고 </a:t>
+            </a:r>
+            <a:r>
+              <a:rPr lang="en-US" altLang="ko-KR" dirty="0" err="1" smtClean="0"/>
+              <a:t>memberView.jsp</a:t>
+            </a:r>
+            <a:r>
+              <a:rPr lang="ko-KR" altLang="en-US" dirty="0" smtClean="0"/>
+              <a:t>를 연결하세요 </a:t>
             </a:r>
             <a:endParaRPr lang="ko-KR" altLang="en-US" dirty="0"/>
           </a:p>
@@ -14996,6 +15040,797 @@
     <p:extLst>
       <p:ext uri="{BB962C8B-B14F-4D97-AF65-F5344CB8AC3E}">
         <p14:creationId xmlns:p14="http://schemas.microsoft.com/office/powerpoint/2010/main" val="4033888951"/>
+      </p:ext>
+    </p:extLst>
+  </p:cSld>
+  <p:clrMapOvr>
+    <a:masterClrMapping/>
+  </p:clrMapOvr>
+  <p:timing>
+    <p:tnLst>
+      <p:par>
+        <p:cTn id="1" dur="indefinite" restart="never" nodeType="tmRoot"/>
+      </p:par>
+    </p:tnLst>
+  </p:timing>
+</p:sld>
+</file>
+
+<file path=ppt/slides/slide55.xml><?xml version="1.0" encoding="utf-8"?>
+<p:sld xmlns:a="http://schemas.openxmlformats.org/drawingml/2006/main" xmlns:r="http://schemas.openxmlformats.org/officeDocument/2006/relationships" xmlns:p="http://schemas.openxmlformats.org/presentationml/2006/main">
+  <p:cSld>
+    <p:spTree>
+      <p:nvGrpSpPr>
+        <p:cNvPr id="1" name=""/>
+        <p:cNvGrpSpPr/>
+        <p:nvPr/>
+      </p:nvGrpSpPr>
+      <p:grpSpPr>
+        <a:xfrm>
+          <a:off x="0" y="0"/>
+          <a:ext cx="0" cy="0"/>
+          <a:chOff x="0" y="0"/>
+          <a:chExt cx="0" cy="0"/>
+        </a:xfrm>
+      </p:grpSpPr>
+      <p:sp>
+        <p:nvSpPr>
+          <p:cNvPr id="15" name="제목 5"/>
+          <p:cNvSpPr txBox="1">
+            <a:spLocks/>
+          </p:cNvSpPr>
+          <p:nvPr/>
+        </p:nvSpPr>
+        <p:spPr>
+          <a:xfrm>
+            <a:off x="1" y="-18256"/>
+            <a:ext cx="5079014" cy="854968"/>
+          </a:xfrm>
+          <a:prstGeom prst="rect">
+            <a:avLst/>
+          </a:prstGeom>
+        </p:spPr>
+        <p:txBody>
+          <a:bodyPr anchor="ctr" anchorCtr="0"/>
+          <a:lstStyle>
+            <a:lvl1pPr algn="l" defTabSz="914400" rtl="0" eaLnBrk="1" latinLnBrk="1" hangingPunct="1">
+              <a:spcBef>
+                <a:spcPct val="0"/>
+              </a:spcBef>
+              <a:buNone/>
+              <a:defRPr sz="3200" kern="1200">
+                <a:solidFill>
+                  <a:schemeClr val="bg1"/>
+                </a:solidFill>
+                <a:latin typeface="HY헤드라인M" panose="02030600000101010101" pitchFamily="18" charset="-127"/>
+                <a:ea typeface="HY헤드라인M" panose="02030600000101010101" pitchFamily="18" charset="-127"/>
+                <a:cs typeface="+mj-cs"/>
+              </a:defRPr>
+            </a:lvl1pPr>
+          </a:lstStyle>
+          <a:p>
+            <a:r>
+              <a:rPr lang="en-US" altLang="ko-KR" dirty="0" smtClean="0"/>
+              <a:t> </a:t>
+            </a:r>
+            <a:endParaRPr lang="ko-KR" altLang="en-US" dirty="0"/>
+          </a:p>
+        </p:txBody>
+      </p:sp>
+      <p:sp>
+        <p:nvSpPr>
+          <p:cNvPr id="11" name="제목 5"/>
+          <p:cNvSpPr txBox="1">
+            <a:spLocks/>
+          </p:cNvSpPr>
+          <p:nvPr/>
+        </p:nvSpPr>
+        <p:spPr>
+          <a:xfrm>
+            <a:off x="152400" y="44624"/>
+            <a:ext cx="6528792" cy="854968"/>
+          </a:xfrm>
+          <a:prstGeom prst="rect">
+            <a:avLst/>
+          </a:prstGeom>
+        </p:spPr>
+        <p:txBody>
+          <a:bodyPr anchor="ctr" anchorCtr="0"/>
+          <a:lstStyle>
+            <a:lvl1pPr algn="l" defTabSz="914400" rtl="0" eaLnBrk="1" latinLnBrk="1" hangingPunct="1">
+              <a:spcBef>
+                <a:spcPct val="0"/>
+              </a:spcBef>
+              <a:buNone/>
+              <a:defRPr sz="3200" kern="1200">
+                <a:solidFill>
+                  <a:schemeClr val="bg1"/>
+                </a:solidFill>
+                <a:latin typeface="HY헤드라인M" panose="02030600000101010101" pitchFamily="18" charset="-127"/>
+                <a:ea typeface="HY헤드라인M" panose="02030600000101010101" pitchFamily="18" charset="-127"/>
+                <a:cs typeface="+mj-cs"/>
+              </a:defRPr>
+            </a:lvl1pPr>
+          </a:lstStyle>
+          <a:p>
+            <a:r>
+              <a:rPr lang="en-US" altLang="ko-KR" dirty="0" smtClean="0"/>
+              <a:t> </a:t>
+            </a:r>
+            <a:r>
+              <a:rPr lang="ko-KR" altLang="en-US" dirty="0"/>
+              <a:t>실습 문제 </a:t>
+            </a:r>
+            <a:r>
+              <a:rPr lang="en-US" altLang="ko-KR" dirty="0"/>
+              <a:t>– </a:t>
+            </a:r>
+            <a:r>
+              <a:rPr lang="ko-KR" altLang="en-US" dirty="0" smtClean="0"/>
+              <a:t>이벤트 페이지 만들기</a:t>
+            </a:r>
+            <a:endParaRPr lang="ko-KR" altLang="en-US" dirty="0"/>
+          </a:p>
+        </p:txBody>
+      </p:sp>
+      <p:pic>
+        <p:nvPicPr>
+          <p:cNvPr id="2" name="그림 1"/>
+          <p:cNvPicPr>
+            <a:picLocks noChangeAspect="1"/>
+          </p:cNvPicPr>
+          <p:nvPr/>
+        </p:nvPicPr>
+        <p:blipFill>
+          <a:blip r:embed="rId2">
+            <a:extLst>
+              <a:ext uri="{28A0092B-C50C-407E-A947-70E740481C1C}">
+                <a14:useLocalDpi xmlns:a14="http://schemas.microsoft.com/office/drawing/2010/main" val="0"/>
+              </a:ext>
+            </a:extLst>
+          </a:blip>
+          <a:stretch>
+            <a:fillRect/>
+          </a:stretch>
+        </p:blipFill>
+        <p:spPr>
+          <a:xfrm>
+            <a:off x="776536" y="1412776"/>
+            <a:ext cx="3996581" cy="4032448"/>
+          </a:xfrm>
+          <a:prstGeom prst="rect">
+            <a:avLst/>
+          </a:prstGeom>
+          <a:ln>
+            <a:solidFill>
+              <a:schemeClr val="bg1">
+                <a:lumMod val="85000"/>
+              </a:schemeClr>
+            </a:solidFill>
+          </a:ln>
+        </p:spPr>
+      </p:pic>
+      <p:pic>
+        <p:nvPicPr>
+          <p:cNvPr id="3" name="그림 2"/>
+          <p:cNvPicPr>
+            <a:picLocks noChangeAspect="1"/>
+          </p:cNvPicPr>
+          <p:nvPr/>
+        </p:nvPicPr>
+        <p:blipFill>
+          <a:blip r:embed="rId3">
+            <a:extLst>
+              <a:ext uri="{28A0092B-C50C-407E-A947-70E740481C1C}">
+                <a14:useLocalDpi xmlns:a14="http://schemas.microsoft.com/office/drawing/2010/main" val="0"/>
+              </a:ext>
+            </a:extLst>
+          </a:blip>
+          <a:stretch>
+            <a:fillRect/>
+          </a:stretch>
+        </p:blipFill>
+        <p:spPr>
+          <a:xfrm>
+            <a:off x="5529064" y="1428192"/>
+            <a:ext cx="3827834" cy="4060575"/>
+          </a:xfrm>
+          <a:prstGeom prst="rect">
+            <a:avLst/>
+          </a:prstGeom>
+          <a:ln>
+            <a:solidFill>
+              <a:schemeClr val="bg1">
+                <a:lumMod val="85000"/>
+              </a:schemeClr>
+            </a:solidFill>
+          </a:ln>
+        </p:spPr>
+      </p:pic>
+      <p:cxnSp>
+        <p:nvCxnSpPr>
+          <p:cNvPr id="6" name="직선 화살표 연결선 5"/>
+          <p:cNvCxnSpPr/>
+          <p:nvPr/>
+        </p:nvCxnSpPr>
+        <p:spPr>
+          <a:xfrm flipV="1">
+            <a:off x="3008784" y="3933056"/>
+            <a:ext cx="2448272" cy="936104"/>
+          </a:xfrm>
+          <a:prstGeom prst="straightConnector1">
+            <a:avLst/>
+          </a:prstGeom>
+          <a:ln>
+            <a:tailEnd type="triangle"/>
+          </a:ln>
+        </p:spPr>
+        <p:style>
+          <a:lnRef idx="1">
+            <a:schemeClr val="accent1"/>
+          </a:lnRef>
+          <a:fillRef idx="0">
+            <a:schemeClr val="accent1"/>
+          </a:fillRef>
+          <a:effectRef idx="0">
+            <a:schemeClr val="accent1"/>
+          </a:effectRef>
+          <a:fontRef idx="minor">
+            <a:schemeClr val="tx1"/>
+          </a:fontRef>
+        </p:style>
+      </p:cxnSp>
+      <p:cxnSp>
+        <p:nvCxnSpPr>
+          <p:cNvPr id="8" name="직선 연결선 7"/>
+          <p:cNvCxnSpPr/>
+          <p:nvPr/>
+        </p:nvCxnSpPr>
+        <p:spPr>
+          <a:xfrm>
+            <a:off x="6609184" y="4653136"/>
+            <a:ext cx="1728192" cy="0"/>
+          </a:xfrm>
+          <a:prstGeom prst="line">
+            <a:avLst/>
+          </a:prstGeom>
+          <a:ln w="57150"/>
+        </p:spPr>
+        <p:style>
+          <a:lnRef idx="1">
+            <a:schemeClr val="accent1"/>
+          </a:lnRef>
+          <a:fillRef idx="0">
+            <a:schemeClr val="accent1"/>
+          </a:fillRef>
+          <a:effectRef idx="0">
+            <a:schemeClr val="accent1"/>
+          </a:effectRef>
+          <a:fontRef idx="minor">
+            <a:schemeClr val="tx1"/>
+          </a:fontRef>
+        </p:style>
+      </p:cxnSp>
+    </p:spTree>
+    <p:extLst>
+      <p:ext uri="{BB962C8B-B14F-4D97-AF65-F5344CB8AC3E}">
+        <p14:creationId xmlns:p14="http://schemas.microsoft.com/office/powerpoint/2010/main" val="284578778"/>
+      </p:ext>
+    </p:extLst>
+  </p:cSld>
+  <p:clrMapOvr>
+    <a:masterClrMapping/>
+  </p:clrMapOvr>
+  <p:timing>
+    <p:tnLst>
+      <p:par>
+        <p:cTn id="1" dur="indefinite" restart="never" nodeType="tmRoot"/>
+      </p:par>
+    </p:tnLst>
+  </p:timing>
+</p:sld>
+</file>
+
+<file path=ppt/slides/slide56.xml><?xml version="1.0" encoding="utf-8"?>
+<p:sld xmlns:a="http://schemas.openxmlformats.org/drawingml/2006/main" xmlns:r="http://schemas.openxmlformats.org/officeDocument/2006/relationships" xmlns:p="http://schemas.openxmlformats.org/presentationml/2006/main">
+  <p:cSld>
+    <p:spTree>
+      <p:nvGrpSpPr>
+        <p:cNvPr id="1" name=""/>
+        <p:cNvGrpSpPr/>
+        <p:nvPr/>
+      </p:nvGrpSpPr>
+      <p:grpSpPr>
+        <a:xfrm>
+          <a:off x="0" y="0"/>
+          <a:ext cx="0" cy="0"/>
+          <a:chOff x="0" y="0"/>
+          <a:chExt cx="0" cy="0"/>
+        </a:xfrm>
+      </p:grpSpPr>
+      <p:sp>
+        <p:nvSpPr>
+          <p:cNvPr id="15" name="제목 5"/>
+          <p:cNvSpPr txBox="1">
+            <a:spLocks/>
+          </p:cNvSpPr>
+          <p:nvPr/>
+        </p:nvSpPr>
+        <p:spPr>
+          <a:xfrm>
+            <a:off x="1" y="-18256"/>
+            <a:ext cx="5079014" cy="854968"/>
+          </a:xfrm>
+          <a:prstGeom prst="rect">
+            <a:avLst/>
+          </a:prstGeom>
+        </p:spPr>
+        <p:txBody>
+          <a:bodyPr anchor="ctr" anchorCtr="0"/>
+          <a:lstStyle>
+            <a:lvl1pPr algn="l" defTabSz="914400" rtl="0" eaLnBrk="1" latinLnBrk="1" hangingPunct="1">
+              <a:spcBef>
+                <a:spcPct val="0"/>
+              </a:spcBef>
+              <a:buNone/>
+              <a:defRPr sz="3200" kern="1200">
+                <a:solidFill>
+                  <a:schemeClr val="bg1"/>
+                </a:solidFill>
+                <a:latin typeface="HY헤드라인M" panose="02030600000101010101" pitchFamily="18" charset="-127"/>
+                <a:ea typeface="HY헤드라인M" panose="02030600000101010101" pitchFamily="18" charset="-127"/>
+                <a:cs typeface="+mj-cs"/>
+              </a:defRPr>
+            </a:lvl1pPr>
+          </a:lstStyle>
+          <a:p>
+            <a:r>
+              <a:rPr lang="en-US" altLang="ko-KR" dirty="0" smtClean="0"/>
+              <a:t> </a:t>
+            </a:r>
+            <a:endParaRPr lang="ko-KR" altLang="en-US" dirty="0"/>
+          </a:p>
+        </p:txBody>
+      </p:sp>
+      <p:sp>
+        <p:nvSpPr>
+          <p:cNvPr id="11" name="제목 5"/>
+          <p:cNvSpPr txBox="1">
+            <a:spLocks/>
+          </p:cNvSpPr>
+          <p:nvPr/>
+        </p:nvSpPr>
+        <p:spPr>
+          <a:xfrm>
+            <a:off x="152400" y="44624"/>
+            <a:ext cx="6528792" cy="854968"/>
+          </a:xfrm>
+          <a:prstGeom prst="rect">
+            <a:avLst/>
+          </a:prstGeom>
+        </p:spPr>
+        <p:txBody>
+          <a:bodyPr anchor="ctr" anchorCtr="0"/>
+          <a:lstStyle>
+            <a:lvl1pPr algn="l" defTabSz="914400" rtl="0" eaLnBrk="1" latinLnBrk="1" hangingPunct="1">
+              <a:spcBef>
+                <a:spcPct val="0"/>
+              </a:spcBef>
+              <a:buNone/>
+              <a:defRPr sz="3200" kern="1200">
+                <a:solidFill>
+                  <a:schemeClr val="bg1"/>
+                </a:solidFill>
+                <a:latin typeface="HY헤드라인M" panose="02030600000101010101" pitchFamily="18" charset="-127"/>
+                <a:ea typeface="HY헤드라인M" panose="02030600000101010101" pitchFamily="18" charset="-127"/>
+                <a:cs typeface="+mj-cs"/>
+              </a:defRPr>
+            </a:lvl1pPr>
+          </a:lstStyle>
+          <a:p>
+            <a:r>
+              <a:rPr lang="en-US" altLang="ko-KR" dirty="0" smtClean="0"/>
+              <a:t> </a:t>
+            </a:r>
+            <a:r>
+              <a:rPr lang="ko-KR" altLang="en-US" dirty="0"/>
+              <a:t>실습 문제 </a:t>
+            </a:r>
+            <a:r>
+              <a:rPr lang="en-US" altLang="ko-KR" dirty="0"/>
+              <a:t>– </a:t>
+            </a:r>
+            <a:r>
+              <a:rPr lang="ko-KR" altLang="en-US" dirty="0" smtClean="0"/>
+              <a:t>이벤트 페이지 만들기</a:t>
+            </a:r>
+            <a:endParaRPr lang="ko-KR" altLang="en-US" dirty="0"/>
+          </a:p>
+        </p:txBody>
+      </p:sp>
+      <p:sp>
+        <p:nvSpPr>
+          <p:cNvPr id="4" name="TextBox 3"/>
+          <p:cNvSpPr txBox="1"/>
+          <p:nvPr/>
+        </p:nvSpPr>
+        <p:spPr>
+          <a:xfrm>
+            <a:off x="920552" y="1412776"/>
+            <a:ext cx="7992888" cy="2862322"/>
+          </a:xfrm>
+          <a:prstGeom prst="rect">
+            <a:avLst/>
+          </a:prstGeom>
+          <a:noFill/>
+        </p:spPr>
+        <p:txBody>
+          <a:bodyPr wrap="square" rtlCol="0">
+            <a:spAutoFit/>
+          </a:bodyPr>
+          <a:lstStyle/>
+          <a:p>
+            <a:pPr marL="342900" indent="-342900">
+              <a:lnSpc>
+                <a:spcPct val="200000"/>
+              </a:lnSpc>
+              <a:buFont typeface="+mj-lt"/>
+              <a:buAutoNum type="arabicPeriod"/>
+            </a:pPr>
+            <a:r>
+              <a:rPr lang="ko-KR" altLang="en-US" dirty="0" smtClean="0"/>
+              <a:t>회원 목록 페이지에 이벤트 배너를 만드시오</a:t>
+            </a:r>
+            <a:r>
+              <a:rPr lang="en-US" altLang="ko-KR" dirty="0" smtClean="0"/>
+              <a:t>(</a:t>
+            </a:r>
+            <a:r>
+              <a:rPr lang="ko-KR" altLang="en-US" dirty="0" smtClean="0"/>
+              <a:t>이미지</a:t>
+            </a:r>
+            <a:r>
+              <a:rPr lang="en-US" altLang="ko-KR" dirty="0" smtClean="0"/>
+              <a:t>: bronx.png)</a:t>
+            </a:r>
+          </a:p>
+          <a:p>
+            <a:pPr marL="342900" indent="-342900">
+              <a:lnSpc>
+                <a:spcPct val="200000"/>
+              </a:lnSpc>
+              <a:buFont typeface="+mj-lt"/>
+              <a:buAutoNum type="arabicPeriod"/>
+            </a:pPr>
+            <a:r>
+              <a:rPr lang="en-US" altLang="ko-KR" dirty="0" err="1" smtClean="0"/>
+              <a:t>memberEvent.jsp</a:t>
+            </a:r>
+            <a:r>
+              <a:rPr lang="ko-KR" altLang="en-US" dirty="0" smtClean="0"/>
+              <a:t>를 만드시오</a:t>
+            </a:r>
+            <a:endParaRPr lang="en-US" altLang="ko-KR" dirty="0" smtClean="0"/>
+          </a:p>
+          <a:p>
+            <a:pPr marL="342900" indent="-342900">
+              <a:lnSpc>
+                <a:spcPct val="200000"/>
+              </a:lnSpc>
+              <a:buFont typeface="+mj-lt"/>
+              <a:buAutoNum type="arabicPeriod"/>
+            </a:pPr>
+            <a:r>
+              <a:rPr lang="ko-KR" altLang="en-US" dirty="0" smtClean="0"/>
+              <a:t>이벤트 배너 링크 </a:t>
+            </a:r>
+            <a:r>
+              <a:rPr lang="en-US" altLang="ko-KR" dirty="0" err="1" smtClean="0"/>
+              <a:t>url</a:t>
+            </a:r>
+            <a:r>
+              <a:rPr lang="ko-KR" altLang="en-US" dirty="0" smtClean="0"/>
+              <a:t>은 </a:t>
+            </a:r>
+            <a:r>
+              <a:rPr lang="en-US" altLang="ko-KR" dirty="0" smtClean="0"/>
+              <a:t>memberEvent.do</a:t>
+            </a:r>
+            <a:r>
+              <a:rPr lang="ko-KR" altLang="en-US" dirty="0" smtClean="0"/>
+              <a:t>로 하시오</a:t>
+            </a:r>
+            <a:endParaRPr lang="en-US" altLang="ko-KR" dirty="0" smtClean="0"/>
+          </a:p>
+          <a:p>
+            <a:pPr marL="342900" indent="-342900">
+              <a:lnSpc>
+                <a:spcPct val="200000"/>
+              </a:lnSpc>
+              <a:buFont typeface="+mj-lt"/>
+              <a:buAutoNum type="arabicPeriod"/>
+            </a:pPr>
+            <a:r>
+              <a:rPr lang="ko-KR" altLang="en-US" dirty="0" smtClean="0"/>
+              <a:t>추첨 소스 코드는 </a:t>
+            </a:r>
+            <a:r>
+              <a:rPr lang="en-US" altLang="ko-KR" dirty="0" smtClean="0"/>
+              <a:t>event.js</a:t>
+            </a:r>
+            <a:r>
+              <a:rPr lang="ko-KR" altLang="en-US" dirty="0" smtClean="0"/>
+              <a:t>로 작성하시오</a:t>
+            </a:r>
+            <a:r>
+              <a:rPr lang="en-US" altLang="ko-KR" dirty="0" smtClean="0"/>
+              <a:t>.</a:t>
+            </a:r>
+            <a:r>
+              <a:rPr lang="ko-KR" altLang="en-US" dirty="0" smtClean="0"/>
+              <a:t> </a:t>
+            </a:r>
+            <a:r>
+              <a:rPr lang="en-US" altLang="ko-KR" dirty="0" smtClean="0"/>
+              <a:t>(</a:t>
+            </a:r>
+            <a:r>
+              <a:rPr lang="ko-KR" altLang="en-US" dirty="0" err="1" smtClean="0"/>
+              <a:t>당첨인원은</a:t>
+            </a:r>
+            <a:r>
+              <a:rPr lang="ko-KR" altLang="en-US" dirty="0" smtClean="0"/>
+              <a:t> </a:t>
+            </a:r>
+            <a:r>
+              <a:rPr lang="en-US" altLang="ko-KR" dirty="0" smtClean="0"/>
+              <a:t>5</a:t>
+            </a:r>
+            <a:r>
+              <a:rPr lang="ko-KR" altLang="en-US" dirty="0" err="1" smtClean="0"/>
+              <a:t>명임</a:t>
+            </a:r>
+            <a:r>
+              <a:rPr lang="en-US" altLang="ko-KR" dirty="0" smtClean="0"/>
+              <a:t>)</a:t>
+            </a:r>
+          </a:p>
+          <a:p>
+            <a:pPr marL="342900" indent="-342900">
+              <a:lnSpc>
+                <a:spcPct val="200000"/>
+              </a:lnSpc>
+              <a:buFont typeface="+mj-lt"/>
+              <a:buAutoNum type="arabicPeriod"/>
+            </a:pPr>
+            <a:r>
+              <a:rPr lang="en-US" altLang="ko-KR" dirty="0"/>
+              <a:t>s</a:t>
+            </a:r>
+            <a:r>
+              <a:rPr lang="en-US" altLang="ko-KR" dirty="0" smtClean="0"/>
+              <a:t>tyle.css</a:t>
+            </a:r>
+            <a:r>
+              <a:rPr lang="ko-KR" altLang="en-US" dirty="0" smtClean="0"/>
+              <a:t>에 디자인 하시오</a:t>
+            </a:r>
+            <a:endParaRPr lang="ko-KR" altLang="en-US" dirty="0"/>
+          </a:p>
+        </p:txBody>
+      </p:sp>
+    </p:spTree>
+    <p:extLst>
+      <p:ext uri="{BB962C8B-B14F-4D97-AF65-F5344CB8AC3E}">
+        <p14:creationId xmlns:p14="http://schemas.microsoft.com/office/powerpoint/2010/main" val="2897149421"/>
+      </p:ext>
+    </p:extLst>
+  </p:cSld>
+  <p:clrMapOvr>
+    <a:masterClrMapping/>
+  </p:clrMapOvr>
+  <p:timing>
+    <p:tnLst>
+      <p:par>
+        <p:cTn id="1" dur="indefinite" restart="never" nodeType="tmRoot"/>
+      </p:par>
+    </p:tnLst>
+  </p:timing>
+</p:sld>
+</file>
+
+<file path=ppt/slides/slide57.xml><?xml version="1.0" encoding="utf-8"?>
+<p:sld xmlns:a="http://schemas.openxmlformats.org/drawingml/2006/main" xmlns:r="http://schemas.openxmlformats.org/officeDocument/2006/relationships" xmlns:p="http://schemas.openxmlformats.org/presentationml/2006/main">
+  <p:cSld>
+    <p:spTree>
+      <p:nvGrpSpPr>
+        <p:cNvPr id="1" name=""/>
+        <p:cNvGrpSpPr/>
+        <p:nvPr/>
+      </p:nvGrpSpPr>
+      <p:grpSpPr>
+        <a:xfrm>
+          <a:off x="0" y="0"/>
+          <a:ext cx="0" cy="0"/>
+          <a:chOff x="0" y="0"/>
+          <a:chExt cx="0" cy="0"/>
+        </a:xfrm>
+      </p:grpSpPr>
+      <p:sp>
+        <p:nvSpPr>
+          <p:cNvPr id="15" name="제목 5"/>
+          <p:cNvSpPr txBox="1">
+            <a:spLocks/>
+          </p:cNvSpPr>
+          <p:nvPr/>
+        </p:nvSpPr>
+        <p:spPr>
+          <a:xfrm>
+            <a:off x="1" y="-18256"/>
+            <a:ext cx="5079014" cy="854968"/>
+          </a:xfrm>
+          <a:prstGeom prst="rect">
+            <a:avLst/>
+          </a:prstGeom>
+        </p:spPr>
+        <p:txBody>
+          <a:bodyPr anchor="ctr" anchorCtr="0"/>
+          <a:lstStyle>
+            <a:lvl1pPr algn="l" defTabSz="914400" rtl="0" eaLnBrk="1" latinLnBrk="1" hangingPunct="1">
+              <a:spcBef>
+                <a:spcPct val="0"/>
+              </a:spcBef>
+              <a:buNone/>
+              <a:defRPr sz="3200" kern="1200">
+                <a:solidFill>
+                  <a:schemeClr val="bg1"/>
+                </a:solidFill>
+                <a:latin typeface="HY헤드라인M" panose="02030600000101010101" pitchFamily="18" charset="-127"/>
+                <a:ea typeface="HY헤드라인M" panose="02030600000101010101" pitchFamily="18" charset="-127"/>
+                <a:cs typeface="+mj-cs"/>
+              </a:defRPr>
+            </a:lvl1pPr>
+          </a:lstStyle>
+          <a:p>
+            <a:r>
+              <a:rPr lang="en-US" altLang="ko-KR" dirty="0" smtClean="0"/>
+              <a:t> </a:t>
+            </a:r>
+            <a:endParaRPr lang="ko-KR" altLang="en-US" dirty="0"/>
+          </a:p>
+        </p:txBody>
+      </p:sp>
+      <p:sp>
+        <p:nvSpPr>
+          <p:cNvPr id="11" name="제목 5"/>
+          <p:cNvSpPr txBox="1">
+            <a:spLocks/>
+          </p:cNvSpPr>
+          <p:nvPr/>
+        </p:nvSpPr>
+        <p:spPr>
+          <a:xfrm>
+            <a:off x="152400" y="44624"/>
+            <a:ext cx="6528792" cy="854968"/>
+          </a:xfrm>
+          <a:prstGeom prst="rect">
+            <a:avLst/>
+          </a:prstGeom>
+        </p:spPr>
+        <p:txBody>
+          <a:bodyPr anchor="ctr" anchorCtr="0"/>
+          <a:lstStyle>
+            <a:lvl1pPr algn="l" defTabSz="914400" rtl="0" eaLnBrk="1" latinLnBrk="1" hangingPunct="1">
+              <a:spcBef>
+                <a:spcPct val="0"/>
+              </a:spcBef>
+              <a:buNone/>
+              <a:defRPr sz="3200" kern="1200">
+                <a:solidFill>
+                  <a:schemeClr val="bg1"/>
+                </a:solidFill>
+                <a:latin typeface="HY헤드라인M" panose="02030600000101010101" pitchFamily="18" charset="-127"/>
+                <a:ea typeface="HY헤드라인M" panose="02030600000101010101" pitchFamily="18" charset="-127"/>
+                <a:cs typeface="+mj-cs"/>
+              </a:defRPr>
+            </a:lvl1pPr>
+          </a:lstStyle>
+          <a:p>
+            <a:r>
+              <a:rPr lang="en-US" altLang="ko-KR" dirty="0" smtClean="0"/>
+              <a:t> </a:t>
+            </a:r>
+            <a:r>
+              <a:rPr lang="ko-KR" altLang="en-US" dirty="0"/>
+              <a:t>실습 문제 </a:t>
+            </a:r>
+            <a:r>
+              <a:rPr lang="en-US" altLang="ko-KR" dirty="0"/>
+              <a:t>– </a:t>
+            </a:r>
+            <a:r>
+              <a:rPr lang="ko-KR" altLang="en-US" dirty="0" smtClean="0"/>
+              <a:t>이벤트 페이지 만들기</a:t>
+            </a:r>
+            <a:endParaRPr lang="ko-KR" altLang="en-US" dirty="0"/>
+          </a:p>
+        </p:txBody>
+      </p:sp>
+      <p:pic>
+        <p:nvPicPr>
+          <p:cNvPr id="2" name="그림 1"/>
+          <p:cNvPicPr>
+            <a:picLocks noChangeAspect="1"/>
+          </p:cNvPicPr>
+          <p:nvPr/>
+        </p:nvPicPr>
+        <p:blipFill>
+          <a:blip r:embed="rId2">
+            <a:extLst>
+              <a:ext uri="{28A0092B-C50C-407E-A947-70E740481C1C}">
+                <a14:useLocalDpi xmlns:a14="http://schemas.microsoft.com/office/drawing/2010/main" val="0"/>
+              </a:ext>
+            </a:extLst>
+          </a:blip>
+          <a:stretch>
+            <a:fillRect/>
+          </a:stretch>
+        </p:blipFill>
+        <p:spPr>
+          <a:xfrm>
+            <a:off x="1024549" y="1958212"/>
+            <a:ext cx="7856901" cy="2941575"/>
+          </a:xfrm>
+          <a:prstGeom prst="rect">
+            <a:avLst/>
+          </a:prstGeom>
+          <a:ln>
+            <a:solidFill>
+              <a:schemeClr val="bg1">
+                <a:lumMod val="85000"/>
+              </a:schemeClr>
+            </a:solidFill>
+          </a:ln>
+        </p:spPr>
+      </p:pic>
+      <p:sp>
+        <p:nvSpPr>
+          <p:cNvPr id="6" name="TextBox 5"/>
+          <p:cNvSpPr txBox="1"/>
+          <p:nvPr/>
+        </p:nvSpPr>
+        <p:spPr>
+          <a:xfrm>
+            <a:off x="6706615" y="1412776"/>
+            <a:ext cx="2304256" cy="369332"/>
+          </a:xfrm>
+          <a:prstGeom prst="rect">
+            <a:avLst/>
+          </a:prstGeom>
+          <a:noFill/>
+        </p:spPr>
+        <p:txBody>
+          <a:bodyPr wrap="square" rtlCol="0">
+            <a:spAutoFit/>
+          </a:bodyPr>
+          <a:lstStyle/>
+          <a:p>
+            <a:r>
+              <a:rPr lang="ko-KR" altLang="en-US" dirty="0"/>
+              <a:t> </a:t>
+            </a:r>
+            <a:r>
+              <a:rPr lang="en-US" altLang="ko-KR" dirty="0" err="1" smtClean="0"/>
+              <a:t>memberEvent.jsp</a:t>
+            </a:r>
+            <a:endParaRPr lang="en-US" altLang="ko-KR" sz="1600" dirty="0" smtClean="0"/>
+          </a:p>
+        </p:txBody>
+      </p:sp>
+    </p:spTree>
+    <p:extLst>
+      <p:ext uri="{BB962C8B-B14F-4D97-AF65-F5344CB8AC3E}">
+        <p14:creationId xmlns:p14="http://schemas.microsoft.com/office/powerpoint/2010/main" val="3687120480"/>
       </p:ext>
     </p:extLst>
   </p:cSld>
